--- a/Class_Notes/Week9_FunctionsFormatting.pptx
+++ b/Class_Notes/Week9_FunctionsFormatting.pptx
@@ -4,6 +4,9 @@
   <p:sldMasterIdLst>
     <p:sldMasterId id="2147483648" r:id="rId1"/>
   </p:sldMasterIdLst>
+  <p:notesMasterIdLst>
+    <p:notesMasterId r:id="rId23"/>
+  </p:notesMasterIdLst>
   <p:sldIdLst>
     <p:sldId id="256" r:id="rId2"/>
     <p:sldId id="257" r:id="rId3"/>
@@ -12,8 +15,20 @@
     <p:sldId id="260" r:id="rId6"/>
     <p:sldId id="264" r:id="rId7"/>
     <p:sldId id="265" r:id="rId8"/>
-    <p:sldId id="261" r:id="rId9"/>
-    <p:sldId id="263" r:id="rId10"/>
+    <p:sldId id="268" r:id="rId9"/>
+    <p:sldId id="261" r:id="rId10"/>
+    <p:sldId id="263" r:id="rId11"/>
+    <p:sldId id="266" r:id="rId12"/>
+    <p:sldId id="269" r:id="rId13"/>
+    <p:sldId id="270" r:id="rId14"/>
+    <p:sldId id="271" r:id="rId15"/>
+    <p:sldId id="273" r:id="rId16"/>
+    <p:sldId id="274" r:id="rId17"/>
+    <p:sldId id="275" r:id="rId18"/>
+    <p:sldId id="276" r:id="rId19"/>
+    <p:sldId id="277" r:id="rId20"/>
+    <p:sldId id="278" r:id="rId21"/>
+    <p:sldId id="279" r:id="rId22"/>
   </p:sldIdLst>
   <p:sldSz cx="12192000" cy="6858000"/>
   <p:notesSz cx="6858000" cy="9144000"/>
@@ -115,12 +130,12 @@
   <p:extLst>
     <p:ext uri="{EFAFB233-063F-42B5-8137-9DF3F51BA10A}">
       <p15:sldGuideLst xmlns:p15="http://schemas.microsoft.com/office/powerpoint/2012/main">
-        <p15:guide id="1" orient="horz" pos="2160" userDrawn="1">
+        <p15:guide id="1" orient="horz" pos="4032" userDrawn="1">
           <p15:clr>
             <a:srgbClr val="A4A3A4"/>
           </p15:clr>
         </p15:guide>
-        <p15:guide id="2" pos="3840" userDrawn="1">
+        <p15:guide id="2" pos="4968" userDrawn="1">
           <p15:clr>
             <a:srgbClr val="A4A3A4"/>
           </p15:clr>
@@ -129,6 +144,1399 @@
     </p:ext>
   </p:extLst>
 </p:presentation>
+</file>
+
+<file path=ppt/notesMasters/notesMaster1.xml><?xml version="1.0" encoding="utf-8"?>
+<p:notesMaster xmlns:a="http://schemas.openxmlformats.org/drawingml/2006/main" xmlns:r="http://schemas.openxmlformats.org/officeDocument/2006/relationships" xmlns:p="http://schemas.openxmlformats.org/presentationml/2006/main">
+  <p:cSld>
+    <p:bg>
+      <p:bgRef idx="1001">
+        <a:schemeClr val="bg1"/>
+      </p:bgRef>
+    </p:bg>
+    <p:spTree>
+      <p:nvGrpSpPr>
+        <p:cNvPr id="1" name=""/>
+        <p:cNvGrpSpPr/>
+        <p:nvPr/>
+      </p:nvGrpSpPr>
+      <p:grpSpPr>
+        <a:xfrm>
+          <a:off x="0" y="0"/>
+          <a:ext cx="0" cy="0"/>
+          <a:chOff x="0" y="0"/>
+          <a:chExt cx="0" cy="0"/>
+        </a:xfrm>
+      </p:grpSpPr>
+      <p:sp>
+        <p:nvSpPr>
+          <p:cNvPr id="2" name="Header Placeholder 1"/>
+          <p:cNvSpPr>
+            <a:spLocks noGrp="1"/>
+          </p:cNvSpPr>
+          <p:nvPr>
+            <p:ph type="hdr" sz="quarter"/>
+          </p:nvPr>
+        </p:nvSpPr>
+        <p:spPr>
+          <a:xfrm>
+            <a:off x="0" y="0"/>
+            <a:ext cx="2971800" cy="458788"/>
+          </a:xfrm>
+          <a:prstGeom prst="rect">
+            <a:avLst/>
+          </a:prstGeom>
+        </p:spPr>
+        <p:txBody>
+          <a:bodyPr vert="horz" lIns="91440" tIns="45720" rIns="91440" bIns="45720" rtlCol="0"/>
+          <a:lstStyle>
+            <a:lvl1pPr algn="l">
+              <a:defRPr sz="1200"/>
+            </a:lvl1pPr>
+          </a:lstStyle>
+          <a:p>
+            <a:endParaRPr lang="en-US"/>
+          </a:p>
+        </p:txBody>
+      </p:sp>
+      <p:sp>
+        <p:nvSpPr>
+          <p:cNvPr id="3" name="Date Placeholder 2"/>
+          <p:cNvSpPr>
+            <a:spLocks noGrp="1"/>
+          </p:cNvSpPr>
+          <p:nvPr>
+            <p:ph type="dt" idx="1"/>
+          </p:nvPr>
+        </p:nvSpPr>
+        <p:spPr>
+          <a:xfrm>
+            <a:off x="3884613" y="0"/>
+            <a:ext cx="2971800" cy="458788"/>
+          </a:xfrm>
+          <a:prstGeom prst="rect">
+            <a:avLst/>
+          </a:prstGeom>
+        </p:spPr>
+        <p:txBody>
+          <a:bodyPr vert="horz" lIns="91440" tIns="45720" rIns="91440" bIns="45720" rtlCol="0"/>
+          <a:lstStyle>
+            <a:lvl1pPr algn="r">
+              <a:defRPr sz="1200"/>
+            </a:lvl1pPr>
+          </a:lstStyle>
+          <a:p>
+            <a:fld id="{67A9AB01-D7A7-8B4A-8614-CF2C72E6C29E}" type="datetimeFigureOut">
+              <a:rPr lang="en-US" smtClean="0"/>
+              <a:t>10/26/23</a:t>
+            </a:fld>
+            <a:endParaRPr lang="en-US"/>
+          </a:p>
+        </p:txBody>
+      </p:sp>
+      <p:sp>
+        <p:nvSpPr>
+          <p:cNvPr id="4" name="Slide Image Placeholder 3"/>
+          <p:cNvSpPr>
+            <a:spLocks noGrp="1" noRot="1" noChangeAspect="1"/>
+          </p:cNvSpPr>
+          <p:nvPr>
+            <p:ph type="sldImg" idx="2"/>
+          </p:nvPr>
+        </p:nvSpPr>
+        <p:spPr>
+          <a:xfrm>
+            <a:off x="685800" y="1143000"/>
+            <a:ext cx="5486400" cy="3086100"/>
+          </a:xfrm>
+          <a:prstGeom prst="rect">
+            <a:avLst/>
+          </a:prstGeom>
+          <a:noFill/>
+          <a:ln w="12700">
+            <a:solidFill>
+              <a:prstClr val="black"/>
+            </a:solidFill>
+          </a:ln>
+        </p:spPr>
+        <p:txBody>
+          <a:bodyPr vert="horz" lIns="91440" tIns="45720" rIns="91440" bIns="45720" rtlCol="0" anchor="ctr"/>
+          <a:lstStyle/>
+          <a:p>
+            <a:endParaRPr lang="en-US"/>
+          </a:p>
+        </p:txBody>
+      </p:sp>
+      <p:sp>
+        <p:nvSpPr>
+          <p:cNvPr id="5" name="Notes Placeholder 4"/>
+          <p:cNvSpPr>
+            <a:spLocks noGrp="1"/>
+          </p:cNvSpPr>
+          <p:nvPr>
+            <p:ph type="body" sz="quarter" idx="3"/>
+          </p:nvPr>
+        </p:nvSpPr>
+        <p:spPr>
+          <a:xfrm>
+            <a:off x="685800" y="4400550"/>
+            <a:ext cx="5486400" cy="3600450"/>
+          </a:xfrm>
+          <a:prstGeom prst="rect">
+            <a:avLst/>
+          </a:prstGeom>
+        </p:spPr>
+        <p:txBody>
+          <a:bodyPr vert="horz" lIns="91440" tIns="45720" rIns="91440" bIns="45720" rtlCol="0"/>
+          <a:lstStyle/>
+          <a:p>
+            <a:pPr lvl="0"/>
+            <a:r>
+              <a:rPr lang="en-US"/>
+              <a:t>Click to edit Master text styles</a:t>
+            </a:r>
+          </a:p>
+          <a:p>
+            <a:pPr lvl="1"/>
+            <a:r>
+              <a:rPr lang="en-US"/>
+              <a:t>Second level</a:t>
+            </a:r>
+          </a:p>
+          <a:p>
+            <a:pPr lvl="2"/>
+            <a:r>
+              <a:rPr lang="en-US"/>
+              <a:t>Third level</a:t>
+            </a:r>
+          </a:p>
+          <a:p>
+            <a:pPr lvl="3"/>
+            <a:r>
+              <a:rPr lang="en-US"/>
+              <a:t>Fourth level</a:t>
+            </a:r>
+          </a:p>
+          <a:p>
+            <a:pPr lvl="4"/>
+            <a:r>
+              <a:rPr lang="en-US"/>
+              <a:t>Fifth level</a:t>
+            </a:r>
+          </a:p>
+        </p:txBody>
+      </p:sp>
+      <p:sp>
+        <p:nvSpPr>
+          <p:cNvPr id="6" name="Footer Placeholder 5"/>
+          <p:cNvSpPr>
+            <a:spLocks noGrp="1"/>
+          </p:cNvSpPr>
+          <p:nvPr>
+            <p:ph type="ftr" sz="quarter" idx="4"/>
+          </p:nvPr>
+        </p:nvSpPr>
+        <p:spPr>
+          <a:xfrm>
+            <a:off x="0" y="8685213"/>
+            <a:ext cx="2971800" cy="458787"/>
+          </a:xfrm>
+          <a:prstGeom prst="rect">
+            <a:avLst/>
+          </a:prstGeom>
+        </p:spPr>
+        <p:txBody>
+          <a:bodyPr vert="horz" lIns="91440" tIns="45720" rIns="91440" bIns="45720" rtlCol="0" anchor="b"/>
+          <a:lstStyle>
+            <a:lvl1pPr algn="l">
+              <a:defRPr sz="1200"/>
+            </a:lvl1pPr>
+          </a:lstStyle>
+          <a:p>
+            <a:endParaRPr lang="en-US"/>
+          </a:p>
+        </p:txBody>
+      </p:sp>
+      <p:sp>
+        <p:nvSpPr>
+          <p:cNvPr id="7" name="Slide Number Placeholder 6"/>
+          <p:cNvSpPr>
+            <a:spLocks noGrp="1"/>
+          </p:cNvSpPr>
+          <p:nvPr>
+            <p:ph type="sldNum" sz="quarter" idx="5"/>
+          </p:nvPr>
+        </p:nvSpPr>
+        <p:spPr>
+          <a:xfrm>
+            <a:off x="3884613" y="8685213"/>
+            <a:ext cx="2971800" cy="458787"/>
+          </a:xfrm>
+          <a:prstGeom prst="rect">
+            <a:avLst/>
+          </a:prstGeom>
+        </p:spPr>
+        <p:txBody>
+          <a:bodyPr vert="horz" lIns="91440" tIns="45720" rIns="91440" bIns="45720" rtlCol="0" anchor="b"/>
+          <a:lstStyle>
+            <a:lvl1pPr algn="r">
+              <a:defRPr sz="1200"/>
+            </a:lvl1pPr>
+          </a:lstStyle>
+          <a:p>
+            <a:fld id="{5149F81A-CDA9-E04E-989B-557C1085E659}" type="slidenum">
+              <a:rPr lang="en-US" smtClean="0"/>
+              <a:t>‹#›</a:t>
+            </a:fld>
+            <a:endParaRPr lang="en-US"/>
+          </a:p>
+        </p:txBody>
+      </p:sp>
+    </p:spTree>
+    <p:extLst>
+      <p:ext uri="{BB962C8B-B14F-4D97-AF65-F5344CB8AC3E}">
+        <p14:creationId xmlns:p14="http://schemas.microsoft.com/office/powerpoint/2010/main" val="1295383351"/>
+      </p:ext>
+    </p:extLst>
+  </p:cSld>
+  <p:clrMap bg1="lt1" tx1="dk1" bg2="lt2" tx2="dk2" accent1="accent1" accent2="accent2" accent3="accent3" accent4="accent4" accent5="accent5" accent6="accent6" hlink="hlink" folHlink="folHlink"/>
+  <p:notesStyle>
+    <a:lvl1pPr marL="0" algn="l" defTabSz="914400" rtl="0" eaLnBrk="1" latinLnBrk="0" hangingPunct="1">
+      <a:defRPr sz="1200" kern="1200">
+        <a:solidFill>
+          <a:schemeClr val="tx1"/>
+        </a:solidFill>
+        <a:latin typeface="+mn-lt"/>
+        <a:ea typeface="+mn-ea"/>
+        <a:cs typeface="+mn-cs"/>
+      </a:defRPr>
+    </a:lvl1pPr>
+    <a:lvl2pPr marL="457200" algn="l" defTabSz="914400" rtl="0" eaLnBrk="1" latinLnBrk="0" hangingPunct="1">
+      <a:defRPr sz="1200" kern="1200">
+        <a:solidFill>
+          <a:schemeClr val="tx1"/>
+        </a:solidFill>
+        <a:latin typeface="+mn-lt"/>
+        <a:ea typeface="+mn-ea"/>
+        <a:cs typeface="+mn-cs"/>
+      </a:defRPr>
+    </a:lvl2pPr>
+    <a:lvl3pPr marL="914400" algn="l" defTabSz="914400" rtl="0" eaLnBrk="1" latinLnBrk="0" hangingPunct="1">
+      <a:defRPr sz="1200" kern="1200">
+        <a:solidFill>
+          <a:schemeClr val="tx1"/>
+        </a:solidFill>
+        <a:latin typeface="+mn-lt"/>
+        <a:ea typeface="+mn-ea"/>
+        <a:cs typeface="+mn-cs"/>
+      </a:defRPr>
+    </a:lvl3pPr>
+    <a:lvl4pPr marL="1371600" algn="l" defTabSz="914400" rtl="0" eaLnBrk="1" latinLnBrk="0" hangingPunct="1">
+      <a:defRPr sz="1200" kern="1200">
+        <a:solidFill>
+          <a:schemeClr val="tx1"/>
+        </a:solidFill>
+        <a:latin typeface="+mn-lt"/>
+        <a:ea typeface="+mn-ea"/>
+        <a:cs typeface="+mn-cs"/>
+      </a:defRPr>
+    </a:lvl4pPr>
+    <a:lvl5pPr marL="1828800" algn="l" defTabSz="914400" rtl="0" eaLnBrk="1" latinLnBrk="0" hangingPunct="1">
+      <a:defRPr sz="1200" kern="1200">
+        <a:solidFill>
+          <a:schemeClr val="tx1"/>
+        </a:solidFill>
+        <a:latin typeface="+mn-lt"/>
+        <a:ea typeface="+mn-ea"/>
+        <a:cs typeface="+mn-cs"/>
+      </a:defRPr>
+    </a:lvl5pPr>
+    <a:lvl6pPr marL="2286000" algn="l" defTabSz="914400" rtl="0" eaLnBrk="1" latinLnBrk="0" hangingPunct="1">
+      <a:defRPr sz="1200" kern="1200">
+        <a:solidFill>
+          <a:schemeClr val="tx1"/>
+        </a:solidFill>
+        <a:latin typeface="+mn-lt"/>
+        <a:ea typeface="+mn-ea"/>
+        <a:cs typeface="+mn-cs"/>
+      </a:defRPr>
+    </a:lvl6pPr>
+    <a:lvl7pPr marL="2743200" algn="l" defTabSz="914400" rtl="0" eaLnBrk="1" latinLnBrk="0" hangingPunct="1">
+      <a:defRPr sz="1200" kern="1200">
+        <a:solidFill>
+          <a:schemeClr val="tx1"/>
+        </a:solidFill>
+        <a:latin typeface="+mn-lt"/>
+        <a:ea typeface="+mn-ea"/>
+        <a:cs typeface="+mn-cs"/>
+      </a:defRPr>
+    </a:lvl7pPr>
+    <a:lvl8pPr marL="3200400" algn="l" defTabSz="914400" rtl="0" eaLnBrk="1" latinLnBrk="0" hangingPunct="1">
+      <a:defRPr sz="1200" kern="1200">
+        <a:solidFill>
+          <a:schemeClr val="tx1"/>
+        </a:solidFill>
+        <a:latin typeface="+mn-lt"/>
+        <a:ea typeface="+mn-ea"/>
+        <a:cs typeface="+mn-cs"/>
+      </a:defRPr>
+    </a:lvl8pPr>
+    <a:lvl9pPr marL="3657600" algn="l" defTabSz="914400" rtl="0" eaLnBrk="1" latinLnBrk="0" hangingPunct="1">
+      <a:defRPr sz="1200" kern="1200">
+        <a:solidFill>
+          <a:schemeClr val="tx1"/>
+        </a:solidFill>
+        <a:latin typeface="+mn-lt"/>
+        <a:ea typeface="+mn-ea"/>
+        <a:cs typeface="+mn-cs"/>
+      </a:defRPr>
+    </a:lvl9pPr>
+  </p:notesStyle>
+</p:notesMaster>
+</file>
+
+<file path=ppt/notesSlides/notesSlide1.xml><?xml version="1.0" encoding="utf-8"?>
+<p:notes xmlns:a="http://schemas.openxmlformats.org/drawingml/2006/main" xmlns:r="http://schemas.openxmlformats.org/officeDocument/2006/relationships" xmlns:p="http://schemas.openxmlformats.org/presentationml/2006/main" showMasterSp="0" showMasterPhAnim="0">
+  <p:cSld>
+    <p:spTree>
+      <p:nvGrpSpPr>
+        <p:cNvPr id="1" name="Shape 79"/>
+        <p:cNvGrpSpPr/>
+        <p:nvPr/>
+      </p:nvGrpSpPr>
+      <p:grpSpPr>
+        <a:xfrm>
+          <a:off x="0" y="0"/>
+          <a:ext cx="0" cy="0"/>
+          <a:chOff x="0" y="0"/>
+          <a:chExt cx="0" cy="0"/>
+        </a:xfrm>
+      </p:grpSpPr>
+      <p:sp>
+        <p:nvSpPr>
+          <p:cNvPr id="80" name="Google Shape;80;g28dc3618602_0_21:notes"/>
+          <p:cNvSpPr>
+            <a:spLocks noGrp="1" noRot="1" noChangeAspect="1"/>
+          </p:cNvSpPr>
+          <p:nvPr>
+            <p:ph type="sldImg" idx="2"/>
+          </p:nvPr>
+        </p:nvSpPr>
+        <p:spPr>
+          <a:xfrm>
+            <a:off x="381000" y="685800"/>
+            <a:ext cx="6096000" cy="3429000"/>
+          </a:xfrm>
+          <a:custGeom>
+            <a:avLst/>
+            <a:gdLst/>
+            <a:ahLst/>
+            <a:cxnLst/>
+            <a:rect l="l" t="t" r="r" b="b"/>
+            <a:pathLst>
+              <a:path w="120000" h="120000" extrusionOk="0">
+                <a:moveTo>
+                  <a:pt x="0" y="0"/>
+                </a:moveTo>
+                <a:lnTo>
+                  <a:pt x="120000" y="0"/>
+                </a:lnTo>
+                <a:lnTo>
+                  <a:pt x="120000" y="120000"/>
+                </a:lnTo>
+                <a:lnTo>
+                  <a:pt x="0" y="120000"/>
+                </a:lnTo>
+                <a:close/>
+              </a:path>
+            </a:pathLst>
+          </a:custGeom>
+        </p:spPr>
+      </p:sp>
+      <p:sp>
+        <p:nvSpPr>
+          <p:cNvPr id="81" name="Google Shape;81;g28dc3618602_0_21:notes"/>
+          <p:cNvSpPr txBox="1">
+            <a:spLocks noGrp="1"/>
+          </p:cNvSpPr>
+          <p:nvPr>
+            <p:ph type="body" idx="1"/>
+          </p:nvPr>
+        </p:nvSpPr>
+        <p:spPr>
+          <a:xfrm>
+            <a:off x="685800" y="4343400"/>
+            <a:ext cx="5486400" cy="4114800"/>
+          </a:xfrm>
+          <a:prstGeom prst="rect">
+            <a:avLst/>
+          </a:prstGeom>
+        </p:spPr>
+        <p:txBody>
+          <a:bodyPr spcFirstLastPara="1" wrap="square" lIns="91425" tIns="91425" rIns="91425" bIns="91425" anchor="t" anchorCtr="0">
+            <a:noAutofit/>
+          </a:bodyPr>
+          <a:lstStyle/>
+          <a:p>
+            <a:pPr marL="0" lvl="0" indent="0" algn="l" rtl="0">
+              <a:spcBef>
+                <a:spcPts val="0"/>
+              </a:spcBef>
+              <a:spcAft>
+                <a:spcPts val="0"/>
+              </a:spcAft>
+              <a:buNone/>
+            </a:pPr>
+            <a:endParaRPr/>
+          </a:p>
+        </p:txBody>
+      </p:sp>
+    </p:spTree>
+  </p:cSld>
+  <p:clrMapOvr>
+    <a:masterClrMapping/>
+  </p:clrMapOvr>
+</p:notes>
+</file>
+
+<file path=ppt/notesSlides/notesSlide10.xml><?xml version="1.0" encoding="utf-8"?>
+<p:notes xmlns:a="http://schemas.openxmlformats.org/drawingml/2006/main" xmlns:r="http://schemas.openxmlformats.org/officeDocument/2006/relationships" xmlns:p="http://schemas.openxmlformats.org/presentationml/2006/main" showMasterSp="0" showMasterPhAnim="0">
+  <p:cSld>
+    <p:spTree>
+      <p:nvGrpSpPr>
+        <p:cNvPr id="1" name="Shape 140"/>
+        <p:cNvGrpSpPr/>
+        <p:nvPr/>
+      </p:nvGrpSpPr>
+      <p:grpSpPr>
+        <a:xfrm>
+          <a:off x="0" y="0"/>
+          <a:ext cx="0" cy="0"/>
+          <a:chOff x="0" y="0"/>
+          <a:chExt cx="0" cy="0"/>
+        </a:xfrm>
+      </p:grpSpPr>
+      <p:sp>
+        <p:nvSpPr>
+          <p:cNvPr id="141" name="Google Shape;141;g28dc3618602_0_76:notes"/>
+          <p:cNvSpPr>
+            <a:spLocks noGrp="1" noRot="1" noChangeAspect="1"/>
+          </p:cNvSpPr>
+          <p:nvPr>
+            <p:ph type="sldImg" idx="2"/>
+          </p:nvPr>
+        </p:nvSpPr>
+        <p:spPr>
+          <a:xfrm>
+            <a:off x="381000" y="685800"/>
+            <a:ext cx="6096000" cy="3429000"/>
+          </a:xfrm>
+          <a:custGeom>
+            <a:avLst/>
+            <a:gdLst/>
+            <a:ahLst/>
+            <a:cxnLst/>
+            <a:rect l="l" t="t" r="r" b="b"/>
+            <a:pathLst>
+              <a:path w="120000" h="120000" extrusionOk="0">
+                <a:moveTo>
+                  <a:pt x="0" y="0"/>
+                </a:moveTo>
+                <a:lnTo>
+                  <a:pt x="120000" y="0"/>
+                </a:lnTo>
+                <a:lnTo>
+                  <a:pt x="120000" y="120000"/>
+                </a:lnTo>
+                <a:lnTo>
+                  <a:pt x="0" y="120000"/>
+                </a:lnTo>
+                <a:close/>
+              </a:path>
+            </a:pathLst>
+          </a:custGeom>
+        </p:spPr>
+      </p:sp>
+      <p:sp>
+        <p:nvSpPr>
+          <p:cNvPr id="142" name="Google Shape;142;g28dc3618602_0_76:notes"/>
+          <p:cNvSpPr txBox="1">
+            <a:spLocks noGrp="1"/>
+          </p:cNvSpPr>
+          <p:nvPr>
+            <p:ph type="body" idx="1"/>
+          </p:nvPr>
+        </p:nvSpPr>
+        <p:spPr>
+          <a:xfrm>
+            <a:off x="685800" y="4343400"/>
+            <a:ext cx="5486400" cy="4114800"/>
+          </a:xfrm>
+          <a:prstGeom prst="rect">
+            <a:avLst/>
+          </a:prstGeom>
+        </p:spPr>
+        <p:txBody>
+          <a:bodyPr spcFirstLastPara="1" wrap="square" lIns="91425" tIns="91425" rIns="91425" bIns="91425" anchor="t" anchorCtr="0">
+            <a:noAutofit/>
+          </a:bodyPr>
+          <a:lstStyle/>
+          <a:p>
+            <a:pPr marL="0" lvl="0" indent="0" algn="l" rtl="0">
+              <a:spcBef>
+                <a:spcPts val="0"/>
+              </a:spcBef>
+              <a:spcAft>
+                <a:spcPts val="0"/>
+              </a:spcAft>
+              <a:buNone/>
+            </a:pPr>
+            <a:endParaRPr/>
+          </a:p>
+        </p:txBody>
+      </p:sp>
+    </p:spTree>
+  </p:cSld>
+  <p:clrMapOvr>
+    <a:masterClrMapping/>
+  </p:clrMapOvr>
+</p:notes>
+</file>
+
+<file path=ppt/notesSlides/notesSlide2.xml><?xml version="1.0" encoding="utf-8"?>
+<p:notes xmlns:a="http://schemas.openxmlformats.org/drawingml/2006/main" xmlns:r="http://schemas.openxmlformats.org/officeDocument/2006/relationships" xmlns:p="http://schemas.openxmlformats.org/presentationml/2006/main" showMasterSp="0" showMasterPhAnim="0">
+  <p:cSld>
+    <p:spTree>
+      <p:nvGrpSpPr>
+        <p:cNvPr id="1" name="Shape 85"/>
+        <p:cNvGrpSpPr/>
+        <p:nvPr/>
+      </p:nvGrpSpPr>
+      <p:grpSpPr>
+        <a:xfrm>
+          <a:off x="0" y="0"/>
+          <a:ext cx="0" cy="0"/>
+          <a:chOff x="0" y="0"/>
+          <a:chExt cx="0" cy="0"/>
+        </a:xfrm>
+      </p:grpSpPr>
+      <p:sp>
+        <p:nvSpPr>
+          <p:cNvPr id="86" name="Google Shape;86;g28dc3618602_0_41:notes"/>
+          <p:cNvSpPr>
+            <a:spLocks noGrp="1" noRot="1" noChangeAspect="1"/>
+          </p:cNvSpPr>
+          <p:nvPr>
+            <p:ph type="sldImg" idx="2"/>
+          </p:nvPr>
+        </p:nvSpPr>
+        <p:spPr>
+          <a:xfrm>
+            <a:off x="381300" y="685800"/>
+            <a:ext cx="6096000" cy="3429000"/>
+          </a:xfrm>
+          <a:custGeom>
+            <a:avLst/>
+            <a:gdLst/>
+            <a:ahLst/>
+            <a:cxnLst/>
+            <a:rect l="l" t="t" r="r" b="b"/>
+            <a:pathLst>
+              <a:path w="120000" h="120000" extrusionOk="0">
+                <a:moveTo>
+                  <a:pt x="0" y="0"/>
+                </a:moveTo>
+                <a:lnTo>
+                  <a:pt x="120000" y="0"/>
+                </a:lnTo>
+                <a:lnTo>
+                  <a:pt x="120000" y="120000"/>
+                </a:lnTo>
+                <a:lnTo>
+                  <a:pt x="0" y="120000"/>
+                </a:lnTo>
+                <a:close/>
+              </a:path>
+            </a:pathLst>
+          </a:custGeom>
+        </p:spPr>
+      </p:sp>
+      <p:sp>
+        <p:nvSpPr>
+          <p:cNvPr id="87" name="Google Shape;87;g28dc3618602_0_41:notes"/>
+          <p:cNvSpPr txBox="1">
+            <a:spLocks noGrp="1"/>
+          </p:cNvSpPr>
+          <p:nvPr>
+            <p:ph type="body" idx="1"/>
+          </p:nvPr>
+        </p:nvSpPr>
+        <p:spPr>
+          <a:xfrm>
+            <a:off x="685800" y="4343400"/>
+            <a:ext cx="5486400" cy="4114800"/>
+          </a:xfrm>
+          <a:prstGeom prst="rect">
+            <a:avLst/>
+          </a:prstGeom>
+        </p:spPr>
+        <p:txBody>
+          <a:bodyPr spcFirstLastPara="1" wrap="square" lIns="91425" tIns="91425" rIns="91425" bIns="91425" anchor="t" anchorCtr="0">
+            <a:noAutofit/>
+          </a:bodyPr>
+          <a:lstStyle/>
+          <a:p>
+            <a:pPr marL="0" lvl="0" indent="0" algn="l" rtl="0">
+              <a:spcBef>
+                <a:spcPts val="0"/>
+              </a:spcBef>
+              <a:spcAft>
+                <a:spcPts val="0"/>
+              </a:spcAft>
+              <a:buNone/>
+            </a:pPr>
+            <a:endParaRPr/>
+          </a:p>
+        </p:txBody>
+      </p:sp>
+    </p:spTree>
+  </p:cSld>
+  <p:clrMapOvr>
+    <a:masterClrMapping/>
+  </p:clrMapOvr>
+</p:notes>
+</file>
+
+<file path=ppt/notesSlides/notesSlide3.xml><?xml version="1.0" encoding="utf-8"?>
+<p:notes xmlns:a="http://schemas.openxmlformats.org/drawingml/2006/main" xmlns:r="http://schemas.openxmlformats.org/officeDocument/2006/relationships" xmlns:p="http://schemas.openxmlformats.org/presentationml/2006/main" showMasterSp="0" showMasterPhAnim="0">
+  <p:cSld>
+    <p:spTree>
+      <p:nvGrpSpPr>
+        <p:cNvPr id="1" name="Shape 92"/>
+        <p:cNvGrpSpPr/>
+        <p:nvPr/>
+      </p:nvGrpSpPr>
+      <p:grpSpPr>
+        <a:xfrm>
+          <a:off x="0" y="0"/>
+          <a:ext cx="0" cy="0"/>
+          <a:chOff x="0" y="0"/>
+          <a:chExt cx="0" cy="0"/>
+        </a:xfrm>
+      </p:grpSpPr>
+      <p:sp>
+        <p:nvSpPr>
+          <p:cNvPr id="93" name="Google Shape;93;g28dc3618602_0_98:notes"/>
+          <p:cNvSpPr>
+            <a:spLocks noGrp="1" noRot="1" noChangeAspect="1"/>
+          </p:cNvSpPr>
+          <p:nvPr>
+            <p:ph type="sldImg" idx="2"/>
+          </p:nvPr>
+        </p:nvSpPr>
+        <p:spPr>
+          <a:xfrm>
+            <a:off x="381000" y="685800"/>
+            <a:ext cx="6096000" cy="3429000"/>
+          </a:xfrm>
+          <a:custGeom>
+            <a:avLst/>
+            <a:gdLst/>
+            <a:ahLst/>
+            <a:cxnLst/>
+            <a:rect l="l" t="t" r="r" b="b"/>
+            <a:pathLst>
+              <a:path w="120000" h="120000" extrusionOk="0">
+                <a:moveTo>
+                  <a:pt x="0" y="0"/>
+                </a:moveTo>
+                <a:lnTo>
+                  <a:pt x="120000" y="0"/>
+                </a:lnTo>
+                <a:lnTo>
+                  <a:pt x="120000" y="120000"/>
+                </a:lnTo>
+                <a:lnTo>
+                  <a:pt x="0" y="120000"/>
+                </a:lnTo>
+                <a:close/>
+              </a:path>
+            </a:pathLst>
+          </a:custGeom>
+        </p:spPr>
+      </p:sp>
+      <p:sp>
+        <p:nvSpPr>
+          <p:cNvPr id="94" name="Google Shape;94;g28dc3618602_0_98:notes"/>
+          <p:cNvSpPr txBox="1">
+            <a:spLocks noGrp="1"/>
+          </p:cNvSpPr>
+          <p:nvPr>
+            <p:ph type="body" idx="1"/>
+          </p:nvPr>
+        </p:nvSpPr>
+        <p:spPr>
+          <a:xfrm>
+            <a:off x="685800" y="4343400"/>
+            <a:ext cx="5486400" cy="4114800"/>
+          </a:xfrm>
+          <a:prstGeom prst="rect">
+            <a:avLst/>
+          </a:prstGeom>
+        </p:spPr>
+        <p:txBody>
+          <a:bodyPr spcFirstLastPara="1" wrap="square" lIns="91425" tIns="91425" rIns="91425" bIns="91425" anchor="t" anchorCtr="0">
+            <a:noAutofit/>
+          </a:bodyPr>
+          <a:lstStyle/>
+          <a:p>
+            <a:pPr marL="0" lvl="0" indent="0" algn="l" rtl="0">
+              <a:spcBef>
+                <a:spcPts val="0"/>
+              </a:spcBef>
+              <a:spcAft>
+                <a:spcPts val="0"/>
+              </a:spcAft>
+              <a:buNone/>
+            </a:pPr>
+            <a:endParaRPr/>
+          </a:p>
+        </p:txBody>
+      </p:sp>
+    </p:spTree>
+  </p:cSld>
+  <p:clrMapOvr>
+    <a:masterClrMapping/>
+  </p:clrMapOvr>
+</p:notes>
+</file>
+
+<file path=ppt/notesSlides/notesSlide4.xml><?xml version="1.0" encoding="utf-8"?>
+<p:notes xmlns:a="http://schemas.openxmlformats.org/drawingml/2006/main" xmlns:r="http://schemas.openxmlformats.org/officeDocument/2006/relationships" xmlns:p="http://schemas.openxmlformats.org/presentationml/2006/main" showMasterSp="0" showMasterPhAnim="0">
+  <p:cSld>
+    <p:spTree>
+      <p:nvGrpSpPr>
+        <p:cNvPr id="1" name="Shape 104"/>
+        <p:cNvGrpSpPr/>
+        <p:nvPr/>
+      </p:nvGrpSpPr>
+      <p:grpSpPr>
+        <a:xfrm>
+          <a:off x="0" y="0"/>
+          <a:ext cx="0" cy="0"/>
+          <a:chOff x="0" y="0"/>
+          <a:chExt cx="0" cy="0"/>
+        </a:xfrm>
+      </p:grpSpPr>
+      <p:sp>
+        <p:nvSpPr>
+          <p:cNvPr id="105" name="Google Shape;105;g28dc3618602_0_30:notes"/>
+          <p:cNvSpPr>
+            <a:spLocks noGrp="1" noRot="1" noChangeAspect="1"/>
+          </p:cNvSpPr>
+          <p:nvPr>
+            <p:ph type="sldImg" idx="2"/>
+          </p:nvPr>
+        </p:nvSpPr>
+        <p:spPr>
+          <a:xfrm>
+            <a:off x="381300" y="685800"/>
+            <a:ext cx="6096000" cy="3429000"/>
+          </a:xfrm>
+          <a:custGeom>
+            <a:avLst/>
+            <a:gdLst/>
+            <a:ahLst/>
+            <a:cxnLst/>
+            <a:rect l="l" t="t" r="r" b="b"/>
+            <a:pathLst>
+              <a:path w="120000" h="120000" extrusionOk="0">
+                <a:moveTo>
+                  <a:pt x="0" y="0"/>
+                </a:moveTo>
+                <a:lnTo>
+                  <a:pt x="120000" y="0"/>
+                </a:lnTo>
+                <a:lnTo>
+                  <a:pt x="120000" y="120000"/>
+                </a:lnTo>
+                <a:lnTo>
+                  <a:pt x="0" y="120000"/>
+                </a:lnTo>
+                <a:close/>
+              </a:path>
+            </a:pathLst>
+          </a:custGeom>
+        </p:spPr>
+      </p:sp>
+      <p:sp>
+        <p:nvSpPr>
+          <p:cNvPr id="106" name="Google Shape;106;g28dc3618602_0_30:notes"/>
+          <p:cNvSpPr txBox="1">
+            <a:spLocks noGrp="1"/>
+          </p:cNvSpPr>
+          <p:nvPr>
+            <p:ph type="body" idx="1"/>
+          </p:nvPr>
+        </p:nvSpPr>
+        <p:spPr>
+          <a:xfrm>
+            <a:off x="685800" y="4343400"/>
+            <a:ext cx="5486400" cy="4114800"/>
+          </a:xfrm>
+          <a:prstGeom prst="rect">
+            <a:avLst/>
+          </a:prstGeom>
+        </p:spPr>
+        <p:txBody>
+          <a:bodyPr spcFirstLastPara="1" wrap="square" lIns="91425" tIns="91425" rIns="91425" bIns="91425" anchor="t" anchorCtr="0">
+            <a:noAutofit/>
+          </a:bodyPr>
+          <a:lstStyle/>
+          <a:p>
+            <a:pPr marL="0" lvl="0" indent="0" algn="l" rtl="0">
+              <a:spcBef>
+                <a:spcPts val="0"/>
+              </a:spcBef>
+              <a:spcAft>
+                <a:spcPts val="0"/>
+              </a:spcAft>
+              <a:buNone/>
+            </a:pPr>
+            <a:r>
+              <a:rPr lang="en"/>
+              <a:t>https://www.codementor.io/@tanakamutakwa/writing-clean-code-naming-1msxn728ht#make-meaningful-distinctions</a:t>
+            </a:r>
+            <a:endParaRPr/>
+          </a:p>
+        </p:txBody>
+      </p:sp>
+    </p:spTree>
+  </p:cSld>
+  <p:clrMapOvr>
+    <a:masterClrMapping/>
+  </p:clrMapOvr>
+</p:notes>
+</file>
+
+<file path=ppt/notesSlides/notesSlide5.xml><?xml version="1.0" encoding="utf-8"?>
+<p:notes xmlns:a="http://schemas.openxmlformats.org/drawingml/2006/main" xmlns:r="http://schemas.openxmlformats.org/officeDocument/2006/relationships" xmlns:p="http://schemas.openxmlformats.org/presentationml/2006/main" showMasterSp="0" showMasterPhAnim="0">
+  <p:cSld>
+    <p:spTree>
+      <p:nvGrpSpPr>
+        <p:cNvPr id="1" name="Shape 110"/>
+        <p:cNvGrpSpPr/>
+        <p:nvPr/>
+      </p:nvGrpSpPr>
+      <p:grpSpPr>
+        <a:xfrm>
+          <a:off x="0" y="0"/>
+          <a:ext cx="0" cy="0"/>
+          <a:chOff x="0" y="0"/>
+          <a:chExt cx="0" cy="0"/>
+        </a:xfrm>
+      </p:grpSpPr>
+      <p:sp>
+        <p:nvSpPr>
+          <p:cNvPr id="111" name="Google Shape;111;g28dc3618602_0_46:notes"/>
+          <p:cNvSpPr>
+            <a:spLocks noGrp="1" noRot="1" noChangeAspect="1"/>
+          </p:cNvSpPr>
+          <p:nvPr>
+            <p:ph type="sldImg" idx="2"/>
+          </p:nvPr>
+        </p:nvSpPr>
+        <p:spPr>
+          <a:xfrm>
+            <a:off x="381000" y="685800"/>
+            <a:ext cx="6096000" cy="3429000"/>
+          </a:xfrm>
+          <a:custGeom>
+            <a:avLst/>
+            <a:gdLst/>
+            <a:ahLst/>
+            <a:cxnLst/>
+            <a:rect l="l" t="t" r="r" b="b"/>
+            <a:pathLst>
+              <a:path w="120000" h="120000" extrusionOk="0">
+                <a:moveTo>
+                  <a:pt x="0" y="0"/>
+                </a:moveTo>
+                <a:lnTo>
+                  <a:pt x="120000" y="0"/>
+                </a:lnTo>
+                <a:lnTo>
+                  <a:pt x="120000" y="120000"/>
+                </a:lnTo>
+                <a:lnTo>
+                  <a:pt x="0" y="120000"/>
+                </a:lnTo>
+                <a:close/>
+              </a:path>
+            </a:pathLst>
+          </a:custGeom>
+        </p:spPr>
+      </p:sp>
+      <p:sp>
+        <p:nvSpPr>
+          <p:cNvPr id="112" name="Google Shape;112;g28dc3618602_0_46:notes"/>
+          <p:cNvSpPr txBox="1">
+            <a:spLocks noGrp="1"/>
+          </p:cNvSpPr>
+          <p:nvPr>
+            <p:ph type="body" idx="1"/>
+          </p:nvPr>
+        </p:nvSpPr>
+        <p:spPr>
+          <a:xfrm>
+            <a:off x="685800" y="4343400"/>
+            <a:ext cx="5486400" cy="4114800"/>
+          </a:xfrm>
+          <a:prstGeom prst="rect">
+            <a:avLst/>
+          </a:prstGeom>
+        </p:spPr>
+        <p:txBody>
+          <a:bodyPr spcFirstLastPara="1" wrap="square" lIns="91425" tIns="91425" rIns="91425" bIns="91425" anchor="t" anchorCtr="0">
+            <a:noAutofit/>
+          </a:bodyPr>
+          <a:lstStyle/>
+          <a:p>
+            <a:pPr marL="0" lvl="0" indent="0" algn="l" rtl="0">
+              <a:spcBef>
+                <a:spcPts val="0"/>
+              </a:spcBef>
+              <a:spcAft>
+                <a:spcPts val="0"/>
+              </a:spcAft>
+              <a:buNone/>
+            </a:pPr>
+            <a:endParaRPr/>
+          </a:p>
+        </p:txBody>
+      </p:sp>
+    </p:spTree>
+  </p:cSld>
+  <p:clrMapOvr>
+    <a:masterClrMapping/>
+  </p:clrMapOvr>
+</p:notes>
+</file>
+
+<file path=ppt/notesSlides/notesSlide6.xml><?xml version="1.0" encoding="utf-8"?>
+<p:notes xmlns:a="http://schemas.openxmlformats.org/drawingml/2006/main" xmlns:r="http://schemas.openxmlformats.org/officeDocument/2006/relationships" xmlns:p="http://schemas.openxmlformats.org/presentationml/2006/main" showMasterSp="0" showMasterPhAnim="0">
+  <p:cSld>
+    <p:spTree>
+      <p:nvGrpSpPr>
+        <p:cNvPr id="1" name="Shape 116"/>
+        <p:cNvGrpSpPr/>
+        <p:nvPr/>
+      </p:nvGrpSpPr>
+      <p:grpSpPr>
+        <a:xfrm>
+          <a:off x="0" y="0"/>
+          <a:ext cx="0" cy="0"/>
+          <a:chOff x="0" y="0"/>
+          <a:chExt cx="0" cy="0"/>
+        </a:xfrm>
+      </p:grpSpPr>
+      <p:sp>
+        <p:nvSpPr>
+          <p:cNvPr id="117" name="Google Shape;117;g28dc3618602_0_62:notes"/>
+          <p:cNvSpPr>
+            <a:spLocks noGrp="1" noRot="1" noChangeAspect="1"/>
+          </p:cNvSpPr>
+          <p:nvPr>
+            <p:ph type="sldImg" idx="2"/>
+          </p:nvPr>
+        </p:nvSpPr>
+        <p:spPr>
+          <a:xfrm>
+            <a:off x="381000" y="685800"/>
+            <a:ext cx="6096000" cy="3429000"/>
+          </a:xfrm>
+          <a:custGeom>
+            <a:avLst/>
+            <a:gdLst/>
+            <a:ahLst/>
+            <a:cxnLst/>
+            <a:rect l="l" t="t" r="r" b="b"/>
+            <a:pathLst>
+              <a:path w="120000" h="120000" extrusionOk="0">
+                <a:moveTo>
+                  <a:pt x="0" y="0"/>
+                </a:moveTo>
+                <a:lnTo>
+                  <a:pt x="120000" y="0"/>
+                </a:lnTo>
+                <a:lnTo>
+                  <a:pt x="120000" y="120000"/>
+                </a:lnTo>
+                <a:lnTo>
+                  <a:pt x="0" y="120000"/>
+                </a:lnTo>
+                <a:close/>
+              </a:path>
+            </a:pathLst>
+          </a:custGeom>
+        </p:spPr>
+      </p:sp>
+      <p:sp>
+        <p:nvSpPr>
+          <p:cNvPr id="118" name="Google Shape;118;g28dc3618602_0_62:notes"/>
+          <p:cNvSpPr txBox="1">
+            <a:spLocks noGrp="1"/>
+          </p:cNvSpPr>
+          <p:nvPr>
+            <p:ph type="body" idx="1"/>
+          </p:nvPr>
+        </p:nvSpPr>
+        <p:spPr>
+          <a:xfrm>
+            <a:off x="685800" y="4343400"/>
+            <a:ext cx="5486400" cy="4114800"/>
+          </a:xfrm>
+          <a:prstGeom prst="rect">
+            <a:avLst/>
+          </a:prstGeom>
+        </p:spPr>
+        <p:txBody>
+          <a:bodyPr spcFirstLastPara="1" wrap="square" lIns="91425" tIns="91425" rIns="91425" bIns="91425" anchor="t" anchorCtr="0">
+            <a:noAutofit/>
+          </a:bodyPr>
+          <a:lstStyle/>
+          <a:p>
+            <a:pPr marL="0" lvl="0" indent="0" algn="l" rtl="0">
+              <a:spcBef>
+                <a:spcPts val="0"/>
+              </a:spcBef>
+              <a:spcAft>
+                <a:spcPts val="0"/>
+              </a:spcAft>
+              <a:buNone/>
+            </a:pPr>
+            <a:endParaRPr/>
+          </a:p>
+        </p:txBody>
+      </p:sp>
+    </p:spTree>
+  </p:cSld>
+  <p:clrMapOvr>
+    <a:masterClrMapping/>
+  </p:clrMapOvr>
+</p:notes>
+</file>
+
+<file path=ppt/notesSlides/notesSlide7.xml><?xml version="1.0" encoding="utf-8"?>
+<p:notes xmlns:a="http://schemas.openxmlformats.org/drawingml/2006/main" xmlns:r="http://schemas.openxmlformats.org/officeDocument/2006/relationships" xmlns:p="http://schemas.openxmlformats.org/presentationml/2006/main" showMasterSp="0" showMasterPhAnim="0">
+  <p:cSld>
+    <p:spTree>
+      <p:nvGrpSpPr>
+        <p:cNvPr id="1" name="Shape 122"/>
+        <p:cNvGrpSpPr/>
+        <p:nvPr/>
+      </p:nvGrpSpPr>
+      <p:grpSpPr>
+        <a:xfrm>
+          <a:off x="0" y="0"/>
+          <a:ext cx="0" cy="0"/>
+          <a:chOff x="0" y="0"/>
+          <a:chExt cx="0" cy="0"/>
+        </a:xfrm>
+      </p:grpSpPr>
+      <p:sp>
+        <p:nvSpPr>
+          <p:cNvPr id="123" name="Google Shape;123;g28dc3618602_0_52:notes"/>
+          <p:cNvSpPr>
+            <a:spLocks noGrp="1" noRot="1" noChangeAspect="1"/>
+          </p:cNvSpPr>
+          <p:nvPr>
+            <p:ph type="sldImg" idx="2"/>
+          </p:nvPr>
+        </p:nvSpPr>
+        <p:spPr>
+          <a:xfrm>
+            <a:off x="381300" y="685800"/>
+            <a:ext cx="6096000" cy="3429000"/>
+          </a:xfrm>
+          <a:custGeom>
+            <a:avLst/>
+            <a:gdLst/>
+            <a:ahLst/>
+            <a:cxnLst/>
+            <a:rect l="l" t="t" r="r" b="b"/>
+            <a:pathLst>
+              <a:path w="120000" h="120000" extrusionOk="0">
+                <a:moveTo>
+                  <a:pt x="0" y="0"/>
+                </a:moveTo>
+                <a:lnTo>
+                  <a:pt x="120000" y="0"/>
+                </a:lnTo>
+                <a:lnTo>
+                  <a:pt x="120000" y="120000"/>
+                </a:lnTo>
+                <a:lnTo>
+                  <a:pt x="0" y="120000"/>
+                </a:lnTo>
+                <a:close/>
+              </a:path>
+            </a:pathLst>
+          </a:custGeom>
+        </p:spPr>
+      </p:sp>
+      <p:sp>
+        <p:nvSpPr>
+          <p:cNvPr id="124" name="Google Shape;124;g28dc3618602_0_52:notes"/>
+          <p:cNvSpPr txBox="1">
+            <a:spLocks noGrp="1"/>
+          </p:cNvSpPr>
+          <p:nvPr>
+            <p:ph type="body" idx="1"/>
+          </p:nvPr>
+        </p:nvSpPr>
+        <p:spPr>
+          <a:xfrm>
+            <a:off x="685800" y="4343400"/>
+            <a:ext cx="5486400" cy="4114800"/>
+          </a:xfrm>
+          <a:prstGeom prst="rect">
+            <a:avLst/>
+          </a:prstGeom>
+        </p:spPr>
+        <p:txBody>
+          <a:bodyPr spcFirstLastPara="1" wrap="square" lIns="91425" tIns="91425" rIns="91425" bIns="91425" anchor="t" anchorCtr="0">
+            <a:noAutofit/>
+          </a:bodyPr>
+          <a:lstStyle/>
+          <a:p>
+            <a:pPr marL="0" lvl="0" indent="0" algn="l" rtl="0">
+              <a:spcBef>
+                <a:spcPts val="0"/>
+              </a:spcBef>
+              <a:spcAft>
+                <a:spcPts val="0"/>
+              </a:spcAft>
+              <a:buNone/>
+            </a:pPr>
+            <a:endParaRPr/>
+          </a:p>
+        </p:txBody>
+      </p:sp>
+    </p:spTree>
+  </p:cSld>
+  <p:clrMapOvr>
+    <a:masterClrMapping/>
+  </p:clrMapOvr>
+</p:notes>
+</file>
+
+<file path=ppt/notesSlides/notesSlide8.xml><?xml version="1.0" encoding="utf-8"?>
+<p:notes xmlns:a="http://schemas.openxmlformats.org/drawingml/2006/main" xmlns:r="http://schemas.openxmlformats.org/officeDocument/2006/relationships" xmlns:p="http://schemas.openxmlformats.org/presentationml/2006/main" showMasterSp="0" showMasterPhAnim="0">
+  <p:cSld>
+    <p:spTree>
+      <p:nvGrpSpPr>
+        <p:cNvPr id="1" name="Shape 128"/>
+        <p:cNvGrpSpPr/>
+        <p:nvPr/>
+      </p:nvGrpSpPr>
+      <p:grpSpPr>
+        <a:xfrm>
+          <a:off x="0" y="0"/>
+          <a:ext cx="0" cy="0"/>
+          <a:chOff x="0" y="0"/>
+          <a:chExt cx="0" cy="0"/>
+        </a:xfrm>
+      </p:grpSpPr>
+      <p:sp>
+        <p:nvSpPr>
+          <p:cNvPr id="129" name="Google Shape;129;g28dc3618602_0_57:notes"/>
+          <p:cNvSpPr>
+            <a:spLocks noGrp="1" noRot="1" noChangeAspect="1"/>
+          </p:cNvSpPr>
+          <p:nvPr>
+            <p:ph type="sldImg" idx="2"/>
+          </p:nvPr>
+        </p:nvSpPr>
+        <p:spPr>
+          <a:xfrm>
+            <a:off x="381000" y="685800"/>
+            <a:ext cx="6096000" cy="3429000"/>
+          </a:xfrm>
+          <a:custGeom>
+            <a:avLst/>
+            <a:gdLst/>
+            <a:ahLst/>
+            <a:cxnLst/>
+            <a:rect l="l" t="t" r="r" b="b"/>
+            <a:pathLst>
+              <a:path w="120000" h="120000" extrusionOk="0">
+                <a:moveTo>
+                  <a:pt x="0" y="0"/>
+                </a:moveTo>
+                <a:lnTo>
+                  <a:pt x="120000" y="0"/>
+                </a:lnTo>
+                <a:lnTo>
+                  <a:pt x="120000" y="120000"/>
+                </a:lnTo>
+                <a:lnTo>
+                  <a:pt x="0" y="120000"/>
+                </a:lnTo>
+                <a:close/>
+              </a:path>
+            </a:pathLst>
+          </a:custGeom>
+        </p:spPr>
+      </p:sp>
+      <p:sp>
+        <p:nvSpPr>
+          <p:cNvPr id="130" name="Google Shape;130;g28dc3618602_0_57:notes"/>
+          <p:cNvSpPr txBox="1">
+            <a:spLocks noGrp="1"/>
+          </p:cNvSpPr>
+          <p:nvPr>
+            <p:ph type="body" idx="1"/>
+          </p:nvPr>
+        </p:nvSpPr>
+        <p:spPr>
+          <a:xfrm>
+            <a:off x="685800" y="4343400"/>
+            <a:ext cx="5486400" cy="4114800"/>
+          </a:xfrm>
+          <a:prstGeom prst="rect">
+            <a:avLst/>
+          </a:prstGeom>
+        </p:spPr>
+        <p:txBody>
+          <a:bodyPr spcFirstLastPara="1" wrap="square" lIns="91425" tIns="91425" rIns="91425" bIns="91425" anchor="t" anchorCtr="0">
+            <a:noAutofit/>
+          </a:bodyPr>
+          <a:lstStyle/>
+          <a:p>
+            <a:pPr marL="0" lvl="0" indent="0" algn="l" rtl="0">
+              <a:spcBef>
+                <a:spcPts val="0"/>
+              </a:spcBef>
+              <a:spcAft>
+                <a:spcPts val="0"/>
+              </a:spcAft>
+              <a:buNone/>
+            </a:pPr>
+            <a:endParaRPr/>
+          </a:p>
+        </p:txBody>
+      </p:sp>
+    </p:spTree>
+  </p:cSld>
+  <p:clrMapOvr>
+    <a:masterClrMapping/>
+  </p:clrMapOvr>
+</p:notes>
+</file>
+
+<file path=ppt/notesSlides/notesSlide9.xml><?xml version="1.0" encoding="utf-8"?>
+<p:notes xmlns:a="http://schemas.openxmlformats.org/drawingml/2006/main" xmlns:r="http://schemas.openxmlformats.org/officeDocument/2006/relationships" xmlns:p="http://schemas.openxmlformats.org/presentationml/2006/main" showMasterSp="0" showMasterPhAnim="0">
+  <p:cSld>
+    <p:spTree>
+      <p:nvGrpSpPr>
+        <p:cNvPr id="1" name="Shape 134"/>
+        <p:cNvGrpSpPr/>
+        <p:nvPr/>
+      </p:nvGrpSpPr>
+      <p:grpSpPr>
+        <a:xfrm>
+          <a:off x="0" y="0"/>
+          <a:ext cx="0" cy="0"/>
+          <a:chOff x="0" y="0"/>
+          <a:chExt cx="0" cy="0"/>
+        </a:xfrm>
+      </p:grpSpPr>
+      <p:sp>
+        <p:nvSpPr>
+          <p:cNvPr id="135" name="Google Shape;135;g28dc3618602_0_70:notes"/>
+          <p:cNvSpPr>
+            <a:spLocks noGrp="1" noRot="1" noChangeAspect="1"/>
+          </p:cNvSpPr>
+          <p:nvPr>
+            <p:ph type="sldImg" idx="2"/>
+          </p:nvPr>
+        </p:nvSpPr>
+        <p:spPr>
+          <a:xfrm>
+            <a:off x="381300" y="685800"/>
+            <a:ext cx="6096000" cy="3429000"/>
+          </a:xfrm>
+          <a:custGeom>
+            <a:avLst/>
+            <a:gdLst/>
+            <a:ahLst/>
+            <a:cxnLst/>
+            <a:rect l="l" t="t" r="r" b="b"/>
+            <a:pathLst>
+              <a:path w="120000" h="120000" extrusionOk="0">
+                <a:moveTo>
+                  <a:pt x="0" y="0"/>
+                </a:moveTo>
+                <a:lnTo>
+                  <a:pt x="120000" y="0"/>
+                </a:lnTo>
+                <a:lnTo>
+                  <a:pt x="120000" y="120000"/>
+                </a:lnTo>
+                <a:lnTo>
+                  <a:pt x="0" y="120000"/>
+                </a:lnTo>
+                <a:close/>
+              </a:path>
+            </a:pathLst>
+          </a:custGeom>
+        </p:spPr>
+      </p:sp>
+      <p:sp>
+        <p:nvSpPr>
+          <p:cNvPr id="136" name="Google Shape;136;g28dc3618602_0_70:notes"/>
+          <p:cNvSpPr txBox="1">
+            <a:spLocks noGrp="1"/>
+          </p:cNvSpPr>
+          <p:nvPr>
+            <p:ph type="body" idx="1"/>
+          </p:nvPr>
+        </p:nvSpPr>
+        <p:spPr>
+          <a:xfrm>
+            <a:off x="685800" y="4343400"/>
+            <a:ext cx="5486400" cy="4114800"/>
+          </a:xfrm>
+          <a:prstGeom prst="rect">
+            <a:avLst/>
+          </a:prstGeom>
+        </p:spPr>
+        <p:txBody>
+          <a:bodyPr spcFirstLastPara="1" wrap="square" lIns="91425" tIns="91425" rIns="91425" bIns="91425" anchor="t" anchorCtr="0">
+            <a:noAutofit/>
+          </a:bodyPr>
+          <a:lstStyle/>
+          <a:p>
+            <a:pPr marL="0" lvl="0" indent="0" algn="l" rtl="0">
+              <a:spcBef>
+                <a:spcPts val="0"/>
+              </a:spcBef>
+              <a:spcAft>
+                <a:spcPts val="0"/>
+              </a:spcAft>
+              <a:buNone/>
+            </a:pPr>
+            <a:endParaRPr/>
+          </a:p>
+        </p:txBody>
+      </p:sp>
+    </p:spTree>
+  </p:cSld>
+  <p:clrMapOvr>
+    <a:masterClrMapping/>
+  </p:clrMapOvr>
+</p:notes>
 </file>
 
 <file path=ppt/slideLayouts/slideLayout1.xml><?xml version="1.0" encoding="utf-8"?>
@@ -278,7 +1686,7 @@
           <a:p>
             <a:fld id="{32556FA0-E875-834F-BA60-F791147E7245}" type="datetimeFigureOut">
               <a:rPr lang="en-US" smtClean="0"/>
-              <a:t>10/24/23</a:t>
+              <a:t>10/26/23</a:t>
             </a:fld>
             <a:endParaRPr lang="en-US"/>
           </a:p>
@@ -476,7 +1884,7 @@
           <a:p>
             <a:fld id="{32556FA0-E875-834F-BA60-F791147E7245}" type="datetimeFigureOut">
               <a:rPr lang="en-US" smtClean="0"/>
-              <a:t>10/24/23</a:t>
+              <a:t>10/26/23</a:t>
             </a:fld>
             <a:endParaRPr lang="en-US"/>
           </a:p>
@@ -684,7 +2092,7 @@
           <a:p>
             <a:fld id="{32556FA0-E875-834F-BA60-F791147E7245}" type="datetimeFigureOut">
               <a:rPr lang="en-US" smtClean="0"/>
-              <a:t>10/24/23</a:t>
+              <a:t>10/26/23</a:t>
             </a:fld>
             <a:endParaRPr lang="en-US"/>
           </a:p>
@@ -748,6 +2156,365 @@
     <p:extLst>
       <p:ext uri="{BB962C8B-B14F-4D97-AF65-F5344CB8AC3E}">
         <p14:creationId xmlns:p14="http://schemas.microsoft.com/office/powerpoint/2010/main" val="548421569"/>
+      </p:ext>
+    </p:extLst>
+  </p:cSld>
+  <p:clrMapOvr>
+    <a:masterClrMapping/>
+  </p:clrMapOvr>
+</p:sldLayout>
+</file>
+
+<file path=ppt/slideLayouts/slideLayout12.xml><?xml version="1.0" encoding="utf-8"?>
+<p:sldLayout xmlns:a="http://schemas.openxmlformats.org/drawingml/2006/main" xmlns:r="http://schemas.openxmlformats.org/officeDocument/2006/relationships" xmlns:p="http://schemas.openxmlformats.org/presentationml/2006/main" matchingName="Title and body" type="tx">
+  <p:cSld name="Title and body">
+    <p:spTree>
+      <p:nvGrpSpPr>
+        <p:cNvPr id="1" name="Shape 16"/>
+        <p:cNvGrpSpPr/>
+        <p:nvPr/>
+      </p:nvGrpSpPr>
+      <p:grpSpPr>
+        <a:xfrm>
+          <a:off x="0" y="0"/>
+          <a:ext cx="0" cy="0"/>
+          <a:chOff x="0" y="0"/>
+          <a:chExt cx="0" cy="0"/>
+        </a:xfrm>
+      </p:grpSpPr>
+      <p:sp>
+        <p:nvSpPr>
+          <p:cNvPr id="17" name="Google Shape;17;p4"/>
+          <p:cNvSpPr txBox="1">
+            <a:spLocks noGrp="1"/>
+          </p:cNvSpPr>
+          <p:nvPr>
+            <p:ph type="title"/>
+          </p:nvPr>
+        </p:nvSpPr>
+        <p:spPr>
+          <a:xfrm>
+            <a:off x="415600" y="593367"/>
+            <a:ext cx="11360800" cy="763600"/>
+          </a:xfrm>
+          <a:prstGeom prst="rect">
+            <a:avLst/>
+          </a:prstGeom>
+        </p:spPr>
+        <p:txBody>
+          <a:bodyPr spcFirstLastPara="1" wrap="square" lIns="91425" tIns="91425" rIns="91425" bIns="91425" anchor="t" anchorCtr="0">
+            <a:normAutofit/>
+          </a:bodyPr>
+          <a:lstStyle>
+            <a:lvl1pPr lvl="0">
+              <a:spcBef>
+                <a:spcPts val="0"/>
+              </a:spcBef>
+              <a:spcAft>
+                <a:spcPts val="0"/>
+              </a:spcAft>
+              <a:buSzPts val="2800"/>
+              <a:buNone/>
+              <a:defRPr/>
+            </a:lvl1pPr>
+            <a:lvl2pPr lvl="1">
+              <a:spcBef>
+                <a:spcPts val="0"/>
+              </a:spcBef>
+              <a:spcAft>
+                <a:spcPts val="0"/>
+              </a:spcAft>
+              <a:buSzPts val="2800"/>
+              <a:buNone/>
+              <a:defRPr/>
+            </a:lvl2pPr>
+            <a:lvl3pPr lvl="2">
+              <a:spcBef>
+                <a:spcPts val="0"/>
+              </a:spcBef>
+              <a:spcAft>
+                <a:spcPts val="0"/>
+              </a:spcAft>
+              <a:buSzPts val="2800"/>
+              <a:buNone/>
+              <a:defRPr/>
+            </a:lvl3pPr>
+            <a:lvl4pPr lvl="3">
+              <a:spcBef>
+                <a:spcPts val="0"/>
+              </a:spcBef>
+              <a:spcAft>
+                <a:spcPts val="0"/>
+              </a:spcAft>
+              <a:buSzPts val="2800"/>
+              <a:buNone/>
+              <a:defRPr/>
+            </a:lvl4pPr>
+            <a:lvl5pPr lvl="4">
+              <a:spcBef>
+                <a:spcPts val="0"/>
+              </a:spcBef>
+              <a:spcAft>
+                <a:spcPts val="0"/>
+              </a:spcAft>
+              <a:buSzPts val="2800"/>
+              <a:buNone/>
+              <a:defRPr/>
+            </a:lvl5pPr>
+            <a:lvl6pPr lvl="5">
+              <a:spcBef>
+                <a:spcPts val="0"/>
+              </a:spcBef>
+              <a:spcAft>
+                <a:spcPts val="0"/>
+              </a:spcAft>
+              <a:buSzPts val="2800"/>
+              <a:buNone/>
+              <a:defRPr/>
+            </a:lvl6pPr>
+            <a:lvl7pPr lvl="6">
+              <a:spcBef>
+                <a:spcPts val="0"/>
+              </a:spcBef>
+              <a:spcAft>
+                <a:spcPts val="0"/>
+              </a:spcAft>
+              <a:buSzPts val="2800"/>
+              <a:buNone/>
+              <a:defRPr/>
+            </a:lvl7pPr>
+            <a:lvl8pPr lvl="7">
+              <a:spcBef>
+                <a:spcPts val="0"/>
+              </a:spcBef>
+              <a:spcAft>
+                <a:spcPts val="0"/>
+              </a:spcAft>
+              <a:buSzPts val="2800"/>
+              <a:buNone/>
+              <a:defRPr/>
+            </a:lvl8pPr>
+            <a:lvl9pPr lvl="8">
+              <a:spcBef>
+                <a:spcPts val="0"/>
+              </a:spcBef>
+              <a:spcAft>
+                <a:spcPts val="0"/>
+              </a:spcAft>
+              <a:buSzPts val="2800"/>
+              <a:buNone/>
+              <a:defRPr/>
+            </a:lvl9pPr>
+          </a:lstStyle>
+          <a:p>
+            <a:endParaRPr/>
+          </a:p>
+        </p:txBody>
+      </p:sp>
+      <p:sp>
+        <p:nvSpPr>
+          <p:cNvPr id="18" name="Google Shape;18;p4"/>
+          <p:cNvSpPr txBox="1">
+            <a:spLocks noGrp="1"/>
+          </p:cNvSpPr>
+          <p:nvPr>
+            <p:ph type="body" idx="1"/>
+          </p:nvPr>
+        </p:nvSpPr>
+        <p:spPr>
+          <a:xfrm>
+            <a:off x="415600" y="1536633"/>
+            <a:ext cx="11360800" cy="4555200"/>
+          </a:xfrm>
+          <a:prstGeom prst="rect">
+            <a:avLst/>
+          </a:prstGeom>
+        </p:spPr>
+        <p:txBody>
+          <a:bodyPr spcFirstLastPara="1" wrap="square" lIns="91425" tIns="91425" rIns="91425" bIns="91425" anchor="t" anchorCtr="0">
+            <a:normAutofit/>
+          </a:bodyPr>
+          <a:lstStyle>
+            <a:lvl1pPr marL="609585" lvl="0" indent="-457189">
+              <a:spcBef>
+                <a:spcPts val="0"/>
+              </a:spcBef>
+              <a:spcAft>
+                <a:spcPts val="0"/>
+              </a:spcAft>
+              <a:buSzPts val="1800"/>
+              <a:buChar char="●"/>
+              <a:defRPr/>
+            </a:lvl1pPr>
+            <a:lvl2pPr marL="1219170" lvl="1" indent="-423323">
+              <a:spcBef>
+                <a:spcPts val="0"/>
+              </a:spcBef>
+              <a:spcAft>
+                <a:spcPts val="0"/>
+              </a:spcAft>
+              <a:buSzPts val="1400"/>
+              <a:buChar char="○"/>
+              <a:defRPr/>
+            </a:lvl2pPr>
+            <a:lvl3pPr marL="1828754" lvl="2" indent="-423323">
+              <a:spcBef>
+                <a:spcPts val="0"/>
+              </a:spcBef>
+              <a:spcAft>
+                <a:spcPts val="0"/>
+              </a:spcAft>
+              <a:buSzPts val="1400"/>
+              <a:buChar char="■"/>
+              <a:defRPr/>
+            </a:lvl3pPr>
+            <a:lvl4pPr marL="2438339" lvl="3" indent="-423323">
+              <a:spcBef>
+                <a:spcPts val="0"/>
+              </a:spcBef>
+              <a:spcAft>
+                <a:spcPts val="0"/>
+              </a:spcAft>
+              <a:buSzPts val="1400"/>
+              <a:buChar char="●"/>
+              <a:defRPr/>
+            </a:lvl4pPr>
+            <a:lvl5pPr marL="3047924" lvl="4" indent="-423323">
+              <a:spcBef>
+                <a:spcPts val="0"/>
+              </a:spcBef>
+              <a:spcAft>
+                <a:spcPts val="0"/>
+              </a:spcAft>
+              <a:buSzPts val="1400"/>
+              <a:buChar char="○"/>
+              <a:defRPr/>
+            </a:lvl5pPr>
+            <a:lvl6pPr marL="3657509" lvl="5" indent="-423323">
+              <a:spcBef>
+                <a:spcPts val="0"/>
+              </a:spcBef>
+              <a:spcAft>
+                <a:spcPts val="0"/>
+              </a:spcAft>
+              <a:buSzPts val="1400"/>
+              <a:buChar char="■"/>
+              <a:defRPr/>
+            </a:lvl6pPr>
+            <a:lvl7pPr marL="4267093" lvl="6" indent="-423323">
+              <a:spcBef>
+                <a:spcPts val="0"/>
+              </a:spcBef>
+              <a:spcAft>
+                <a:spcPts val="0"/>
+              </a:spcAft>
+              <a:buSzPts val="1400"/>
+              <a:buChar char="●"/>
+              <a:defRPr/>
+            </a:lvl7pPr>
+            <a:lvl8pPr marL="4876678" lvl="7" indent="-423323">
+              <a:spcBef>
+                <a:spcPts val="0"/>
+              </a:spcBef>
+              <a:spcAft>
+                <a:spcPts val="0"/>
+              </a:spcAft>
+              <a:buSzPts val="1400"/>
+              <a:buChar char="○"/>
+              <a:defRPr/>
+            </a:lvl8pPr>
+            <a:lvl9pPr marL="5486263" lvl="8" indent="-423323">
+              <a:spcBef>
+                <a:spcPts val="0"/>
+              </a:spcBef>
+              <a:spcAft>
+                <a:spcPts val="0"/>
+              </a:spcAft>
+              <a:buSzPts val="1400"/>
+              <a:buChar char="■"/>
+              <a:defRPr/>
+            </a:lvl9pPr>
+          </a:lstStyle>
+          <a:p>
+            <a:endParaRPr/>
+          </a:p>
+        </p:txBody>
+      </p:sp>
+      <p:sp>
+        <p:nvSpPr>
+          <p:cNvPr id="19" name="Google Shape;19;p4"/>
+          <p:cNvSpPr txBox="1">
+            <a:spLocks noGrp="1"/>
+          </p:cNvSpPr>
+          <p:nvPr>
+            <p:ph type="sldNum" idx="12"/>
+          </p:nvPr>
+        </p:nvSpPr>
+        <p:spPr>
+          <a:xfrm>
+            <a:off x="11296611" y="6217623"/>
+            <a:ext cx="731600" cy="524800"/>
+          </a:xfrm>
+          <a:prstGeom prst="rect">
+            <a:avLst/>
+          </a:prstGeom>
+        </p:spPr>
+        <p:txBody>
+          <a:bodyPr spcFirstLastPara="1" wrap="square" lIns="91425" tIns="91425" rIns="91425" bIns="91425" anchor="ctr" anchorCtr="0">
+            <a:normAutofit/>
+          </a:bodyPr>
+          <a:lstStyle>
+            <a:lvl1pPr lvl="0">
+              <a:buNone/>
+              <a:defRPr/>
+            </a:lvl1pPr>
+            <a:lvl2pPr lvl="1">
+              <a:buNone/>
+              <a:defRPr/>
+            </a:lvl2pPr>
+            <a:lvl3pPr lvl="2">
+              <a:buNone/>
+              <a:defRPr/>
+            </a:lvl3pPr>
+            <a:lvl4pPr lvl="3">
+              <a:buNone/>
+              <a:defRPr/>
+            </a:lvl4pPr>
+            <a:lvl5pPr lvl="4">
+              <a:buNone/>
+              <a:defRPr/>
+            </a:lvl5pPr>
+            <a:lvl6pPr lvl="5">
+              <a:buNone/>
+              <a:defRPr/>
+            </a:lvl6pPr>
+            <a:lvl7pPr lvl="6">
+              <a:buNone/>
+              <a:defRPr/>
+            </a:lvl7pPr>
+            <a:lvl8pPr lvl="7">
+              <a:buNone/>
+              <a:defRPr/>
+            </a:lvl8pPr>
+            <a:lvl9pPr lvl="8">
+              <a:buNone/>
+              <a:defRPr/>
+            </a:lvl9pPr>
+          </a:lstStyle>
+          <a:p>
+            <a:fld id="{00000000-1234-1234-1234-123412341234}" type="slidenum">
+              <a:rPr lang="en" smtClean="0"/>
+              <a:pPr/>
+              <a:t>‹#›</a:t>
+            </a:fld>
+            <a:endParaRPr lang="en"/>
+          </a:p>
+        </p:txBody>
+      </p:sp>
+    </p:spTree>
+    <p:extLst>
+      <p:ext uri="{BB962C8B-B14F-4D97-AF65-F5344CB8AC3E}">
+        <p14:creationId xmlns:p14="http://schemas.microsoft.com/office/powerpoint/2010/main" val="4150634704"/>
       </p:ext>
     </p:extLst>
   </p:cSld>
@@ -882,7 +2649,7 @@
           <a:p>
             <a:fld id="{32556FA0-E875-834F-BA60-F791147E7245}" type="datetimeFigureOut">
               <a:rPr lang="en-US" smtClean="0"/>
-              <a:t>10/24/23</a:t>
+              <a:t>10/26/23</a:t>
             </a:fld>
             <a:endParaRPr lang="en-US"/>
           </a:p>
@@ -1157,7 +2924,7 @@
           <a:p>
             <a:fld id="{32556FA0-E875-834F-BA60-F791147E7245}" type="datetimeFigureOut">
               <a:rPr lang="en-US" smtClean="0"/>
-              <a:t>10/24/23</a:t>
+              <a:t>10/26/23</a:t>
             </a:fld>
             <a:endParaRPr lang="en-US"/>
           </a:p>
@@ -1422,7 +3189,7 @@
           <a:p>
             <a:fld id="{32556FA0-E875-834F-BA60-F791147E7245}" type="datetimeFigureOut">
               <a:rPr lang="en-US" smtClean="0"/>
-              <a:t>10/24/23</a:t>
+              <a:t>10/26/23</a:t>
             </a:fld>
             <a:endParaRPr lang="en-US"/>
           </a:p>
@@ -1834,7 +3601,7 @@
           <a:p>
             <a:fld id="{32556FA0-E875-834F-BA60-F791147E7245}" type="datetimeFigureOut">
               <a:rPr lang="en-US" smtClean="0"/>
-              <a:t>10/24/23</a:t>
+              <a:t>10/26/23</a:t>
             </a:fld>
             <a:endParaRPr lang="en-US"/>
           </a:p>
@@ -1975,7 +3742,7 @@
           <a:p>
             <a:fld id="{32556FA0-E875-834F-BA60-F791147E7245}" type="datetimeFigureOut">
               <a:rPr lang="en-US" smtClean="0"/>
-              <a:t>10/24/23</a:t>
+              <a:t>10/26/23</a:t>
             </a:fld>
             <a:endParaRPr lang="en-US"/>
           </a:p>
@@ -2088,7 +3855,7 @@
           <a:p>
             <a:fld id="{32556FA0-E875-834F-BA60-F791147E7245}" type="datetimeFigureOut">
               <a:rPr lang="en-US" smtClean="0"/>
-              <a:t>10/24/23</a:t>
+              <a:t>10/26/23</a:t>
             </a:fld>
             <a:endParaRPr lang="en-US"/>
           </a:p>
@@ -2399,7 +4166,7 @@
           <a:p>
             <a:fld id="{32556FA0-E875-834F-BA60-F791147E7245}" type="datetimeFigureOut">
               <a:rPr lang="en-US" smtClean="0"/>
-              <a:t>10/24/23</a:t>
+              <a:t>10/26/23</a:t>
             </a:fld>
             <a:endParaRPr lang="en-US"/>
           </a:p>
@@ -2687,7 +4454,7 @@
           <a:p>
             <a:fld id="{32556FA0-E875-834F-BA60-F791147E7245}" type="datetimeFigureOut">
               <a:rPr lang="en-US" smtClean="0"/>
-              <a:t>10/24/23</a:t>
+              <a:t>10/26/23</a:t>
             </a:fld>
             <a:endParaRPr lang="en-US"/>
           </a:p>
@@ -2928,7 +4695,7 @@
           <a:p>
             <a:fld id="{32556FA0-E875-834F-BA60-F791147E7245}" type="datetimeFigureOut">
               <a:rPr lang="en-US" smtClean="0"/>
-              <a:t>10/24/23</a:t>
+              <a:t>10/26/23</a:t>
             </a:fld>
             <a:endParaRPr lang="en-US"/>
           </a:p>
@@ -3044,6 +4811,7 @@
     <p:sldLayoutId id="2147483657" r:id="rId9"/>
     <p:sldLayoutId id="2147483658" r:id="rId10"/>
     <p:sldLayoutId id="2147483659" r:id="rId11"/>
+    <p:sldLayoutId id="2147483660" r:id="rId12"/>
   </p:sldLayoutIdLst>
   <p:txStyles>
     <p:titleStyle>
@@ -3414,6 +5182,1823 @@
 </p:sld>
 </file>
 
+<file path=ppt/slides/slide10.xml><?xml version="1.0" encoding="utf-8"?>
+<p:sld xmlns:a="http://schemas.openxmlformats.org/drawingml/2006/main" xmlns:r="http://schemas.openxmlformats.org/officeDocument/2006/relationships" xmlns:p="http://schemas.openxmlformats.org/presentationml/2006/main">
+  <p:cSld>
+    <p:spTree>
+      <p:nvGrpSpPr>
+        <p:cNvPr id="1" name=""/>
+        <p:cNvGrpSpPr/>
+        <p:nvPr/>
+      </p:nvGrpSpPr>
+      <p:grpSpPr>
+        <a:xfrm>
+          <a:off x="0" y="0"/>
+          <a:ext cx="0" cy="0"/>
+          <a:chOff x="0" y="0"/>
+          <a:chExt cx="0" cy="0"/>
+        </a:xfrm>
+      </p:grpSpPr>
+      <p:sp>
+        <p:nvSpPr>
+          <p:cNvPr id="2" name="Title 1">
+            <a:extLst>
+              <a:ext uri="{FF2B5EF4-FFF2-40B4-BE49-F238E27FC236}">
+                <a16:creationId xmlns:a16="http://schemas.microsoft.com/office/drawing/2014/main" id="{25995A9E-2B90-A9DF-D315-2E8A38E3EDD4}"/>
+              </a:ext>
+            </a:extLst>
+          </p:cNvPr>
+          <p:cNvSpPr>
+            <a:spLocks noGrp="1"/>
+          </p:cNvSpPr>
+          <p:nvPr>
+            <p:ph type="title"/>
+          </p:nvPr>
+        </p:nvSpPr>
+        <p:spPr>
+          <a:xfrm>
+            <a:off x="838200" y="89514"/>
+            <a:ext cx="10515600" cy="1325563"/>
+          </a:xfrm>
+        </p:spPr>
+        <p:txBody>
+          <a:bodyPr/>
+          <a:lstStyle/>
+          <a:p>
+            <a:r>
+              <a:rPr lang="en-US" dirty="0"/>
+              <a:t>Midsemester Eval Results: </a:t>
+            </a:r>
+          </a:p>
+        </p:txBody>
+      </p:sp>
+      <p:sp>
+        <p:nvSpPr>
+          <p:cNvPr id="3" name="Content Placeholder 2">
+            <a:extLst>
+              <a:ext uri="{FF2B5EF4-FFF2-40B4-BE49-F238E27FC236}">
+                <a16:creationId xmlns:a16="http://schemas.microsoft.com/office/drawing/2014/main" id="{3CEA629C-359D-1F30-9E2A-A9CBC39A23A2}"/>
+              </a:ext>
+            </a:extLst>
+          </p:cNvPr>
+          <p:cNvSpPr>
+            <a:spLocks noGrp="1"/>
+          </p:cNvSpPr>
+          <p:nvPr>
+            <p:ph idx="1"/>
+          </p:nvPr>
+        </p:nvSpPr>
+        <p:spPr>
+          <a:xfrm>
+            <a:off x="838200" y="1135159"/>
+            <a:ext cx="10515600" cy="5442923"/>
+          </a:xfrm>
+        </p:spPr>
+        <p:txBody>
+          <a:bodyPr>
+            <a:normAutofit lnSpcReduction="10000"/>
+          </a:bodyPr>
+          <a:lstStyle/>
+          <a:p>
+            <a:r>
+              <a:rPr lang="en-US" dirty="0"/>
+              <a:t>Things you like: </a:t>
+            </a:r>
+          </a:p>
+          <a:p>
+            <a:pPr lvl="1"/>
+            <a:r>
+              <a:rPr lang="en-US" dirty="0"/>
+              <a:t>Group exercises in class</a:t>
+            </a:r>
+          </a:p>
+          <a:p>
+            <a:pPr lvl="1"/>
+            <a:r>
+              <a:rPr lang="en-US" dirty="0"/>
+              <a:t>Individual exercises in class </a:t>
+            </a:r>
+          </a:p>
+          <a:p>
+            <a:pPr lvl="1"/>
+            <a:r>
+              <a:rPr lang="en-US" dirty="0"/>
+              <a:t>Class lectures with python </a:t>
+            </a:r>
+          </a:p>
+          <a:p>
+            <a:pPr lvl="1"/>
+            <a:r>
+              <a:rPr lang="en-US" dirty="0" err="1"/>
+              <a:t>Trainaing</a:t>
+            </a:r>
+            <a:r>
+              <a:rPr lang="en-US" dirty="0"/>
+              <a:t> activities</a:t>
+            </a:r>
+          </a:p>
+          <a:p>
+            <a:pPr lvl="1"/>
+            <a:r>
+              <a:rPr lang="en-US" dirty="0"/>
+              <a:t>Running things link by line in class</a:t>
+            </a:r>
+          </a:p>
+          <a:p>
+            <a:r>
+              <a:rPr lang="en-US" dirty="0"/>
+              <a:t>Overall felt that expectations are fair</a:t>
+            </a:r>
+          </a:p>
+          <a:p>
+            <a:r>
+              <a:rPr lang="en-US" dirty="0"/>
+              <a:t>Things you don’t: </a:t>
+            </a:r>
+          </a:p>
+          <a:p>
+            <a:pPr lvl="1"/>
+            <a:r>
+              <a:rPr lang="en-US" dirty="0"/>
+              <a:t>Lectures can be fast an overwhelming</a:t>
+            </a:r>
+          </a:p>
+          <a:p>
+            <a:pPr lvl="1"/>
+            <a:r>
+              <a:rPr lang="en-US" dirty="0"/>
+              <a:t>Hart do jump straight from that into exercises</a:t>
+            </a:r>
+          </a:p>
+          <a:p>
+            <a:pPr lvl="1"/>
+            <a:r>
+              <a:rPr lang="en-US" dirty="0"/>
+              <a:t>Hard to figure out content organization on GitHub</a:t>
+            </a:r>
+          </a:p>
+          <a:p>
+            <a:pPr lvl="1"/>
+            <a:r>
+              <a:rPr lang="en-US" dirty="0"/>
+              <a:t>Don’t really get to the why behind things </a:t>
+            </a:r>
+          </a:p>
+          <a:p>
+            <a:pPr lvl="1"/>
+            <a:r>
+              <a:rPr lang="en-US" dirty="0"/>
+              <a:t>Move pretty fast and don’t feel like you can master anything before we move on</a:t>
+            </a:r>
+          </a:p>
+        </p:txBody>
+      </p:sp>
+    </p:spTree>
+    <p:extLst>
+      <p:ext uri="{BB962C8B-B14F-4D97-AF65-F5344CB8AC3E}">
+        <p14:creationId xmlns:p14="http://schemas.microsoft.com/office/powerpoint/2010/main" val="3848072951"/>
+      </p:ext>
+    </p:extLst>
+  </p:cSld>
+  <p:clrMapOvr>
+    <a:masterClrMapping/>
+  </p:clrMapOvr>
+</p:sld>
+</file>
+
+<file path=ppt/slides/slide11.xml><?xml version="1.0" encoding="utf-8"?>
+<p:sld xmlns:a="http://schemas.openxmlformats.org/drawingml/2006/main" xmlns:r="http://schemas.openxmlformats.org/officeDocument/2006/relationships" xmlns:p="http://schemas.openxmlformats.org/presentationml/2006/main">
+  <p:cSld>
+    <p:spTree>
+      <p:nvGrpSpPr>
+        <p:cNvPr id="1" name=""/>
+        <p:cNvGrpSpPr/>
+        <p:nvPr/>
+      </p:nvGrpSpPr>
+      <p:grpSpPr>
+        <a:xfrm>
+          <a:off x="0" y="0"/>
+          <a:ext cx="0" cy="0"/>
+          <a:chOff x="0" y="0"/>
+          <a:chExt cx="0" cy="0"/>
+        </a:xfrm>
+      </p:grpSpPr>
+      <p:sp>
+        <p:nvSpPr>
+          <p:cNvPr id="2" name="Title 1">
+            <a:extLst>
+              <a:ext uri="{FF2B5EF4-FFF2-40B4-BE49-F238E27FC236}">
+                <a16:creationId xmlns:a16="http://schemas.microsoft.com/office/drawing/2014/main" id="{25995A9E-2B90-A9DF-D315-2E8A38E3EDD4}"/>
+              </a:ext>
+            </a:extLst>
+          </p:cNvPr>
+          <p:cNvSpPr>
+            <a:spLocks noGrp="1"/>
+          </p:cNvSpPr>
+          <p:nvPr>
+            <p:ph type="title"/>
+          </p:nvPr>
+        </p:nvSpPr>
+        <p:spPr>
+          <a:xfrm>
+            <a:off x="838200" y="89514"/>
+            <a:ext cx="10515600" cy="1325563"/>
+          </a:xfrm>
+        </p:spPr>
+        <p:txBody>
+          <a:bodyPr/>
+          <a:lstStyle/>
+          <a:p>
+            <a:r>
+              <a:rPr lang="en-US" dirty="0"/>
+              <a:t>Things you would like to see: </a:t>
+            </a:r>
+          </a:p>
+        </p:txBody>
+      </p:sp>
+      <p:sp>
+        <p:nvSpPr>
+          <p:cNvPr id="3" name="Content Placeholder 2">
+            <a:extLst>
+              <a:ext uri="{FF2B5EF4-FFF2-40B4-BE49-F238E27FC236}">
+                <a16:creationId xmlns:a16="http://schemas.microsoft.com/office/drawing/2014/main" id="{3CEA629C-359D-1F30-9E2A-A9CBC39A23A2}"/>
+              </a:ext>
+            </a:extLst>
+          </p:cNvPr>
+          <p:cNvSpPr>
+            <a:spLocks noGrp="1"/>
+          </p:cNvSpPr>
+          <p:nvPr>
+            <p:ph idx="1"/>
+          </p:nvPr>
+        </p:nvSpPr>
+        <p:spPr>
+          <a:xfrm>
+            <a:off x="838200" y="1135159"/>
+            <a:ext cx="10515600" cy="5442923"/>
+          </a:xfrm>
+        </p:spPr>
+        <p:txBody>
+          <a:bodyPr>
+            <a:normAutofit/>
+          </a:bodyPr>
+          <a:lstStyle/>
+          <a:p>
+            <a:r>
+              <a:rPr lang="en-US" dirty="0"/>
+              <a:t>More simple practice problems and assignments</a:t>
+            </a:r>
+          </a:p>
+          <a:p>
+            <a:r>
+              <a:rPr lang="en-US" dirty="0"/>
+              <a:t>More time doing group reflections of previous HW </a:t>
+            </a:r>
+          </a:p>
+          <a:p>
+            <a:r>
+              <a:rPr lang="en-US" dirty="0"/>
+              <a:t>More real world applications</a:t>
+            </a:r>
+          </a:p>
+          <a:p>
+            <a:r>
+              <a:rPr lang="en-US" dirty="0"/>
+              <a:t>More exercises </a:t>
+            </a:r>
+          </a:p>
+          <a:p>
+            <a:r>
+              <a:rPr lang="en-US" dirty="0"/>
+              <a:t>Flipped classroom </a:t>
+            </a:r>
+          </a:p>
+          <a:p>
+            <a:r>
+              <a:rPr lang="en-US" dirty="0"/>
+              <a:t>Make python lectures more engaging by having people follow along as we go</a:t>
+            </a:r>
+          </a:p>
+          <a:p>
+            <a:r>
+              <a:rPr lang="en-US" dirty="0"/>
+              <a:t>Cover more basics of writing from scratch </a:t>
+            </a:r>
+          </a:p>
+          <a:p>
+            <a:r>
+              <a:rPr lang="en-US" dirty="0"/>
+              <a:t>Review of setting up environments </a:t>
+            </a:r>
+          </a:p>
+          <a:p>
+            <a:r>
+              <a:rPr lang="en-US" dirty="0"/>
+              <a:t>Review how to look at an understand help documentation</a:t>
+            </a:r>
+          </a:p>
+          <a:p>
+            <a:endParaRPr lang="en-US" dirty="0">
+              <a:highlight>
+                <a:srgbClr val="FFFF00"/>
+              </a:highlight>
+            </a:endParaRPr>
+          </a:p>
+        </p:txBody>
+      </p:sp>
+    </p:spTree>
+    <p:extLst>
+      <p:ext uri="{BB962C8B-B14F-4D97-AF65-F5344CB8AC3E}">
+        <p14:creationId xmlns:p14="http://schemas.microsoft.com/office/powerpoint/2010/main" val="32817948"/>
+      </p:ext>
+    </p:extLst>
+  </p:cSld>
+  <p:clrMapOvr>
+    <a:masterClrMapping/>
+  </p:clrMapOvr>
+</p:sld>
+</file>
+
+<file path=ppt/slides/slide12.xml><?xml version="1.0" encoding="utf-8"?>
+<p:sld xmlns:a="http://schemas.openxmlformats.org/drawingml/2006/main" xmlns:r="http://schemas.openxmlformats.org/officeDocument/2006/relationships" xmlns:p="http://schemas.openxmlformats.org/presentationml/2006/main">
+  <p:cSld>
+    <p:spTree>
+      <p:nvGrpSpPr>
+        <p:cNvPr id="1" name="Shape 82"/>
+        <p:cNvGrpSpPr/>
+        <p:nvPr/>
+      </p:nvGrpSpPr>
+      <p:grpSpPr>
+        <a:xfrm>
+          <a:off x="0" y="0"/>
+          <a:ext cx="0" cy="0"/>
+          <a:chOff x="0" y="0"/>
+          <a:chExt cx="0" cy="0"/>
+        </a:xfrm>
+      </p:grpSpPr>
+      <p:sp>
+        <p:nvSpPr>
+          <p:cNvPr id="83" name="Google Shape;83;p18"/>
+          <p:cNvSpPr txBox="1">
+            <a:spLocks noGrp="1"/>
+          </p:cNvSpPr>
+          <p:nvPr>
+            <p:ph type="ctrTitle"/>
+          </p:nvPr>
+        </p:nvSpPr>
+        <p:spPr>
+          <a:xfrm>
+            <a:off x="415611" y="992767"/>
+            <a:ext cx="11360800" cy="2736800"/>
+          </a:xfrm>
+          <a:prstGeom prst="rect">
+            <a:avLst/>
+          </a:prstGeom>
+        </p:spPr>
+        <p:txBody>
+          <a:bodyPr spcFirstLastPara="1" vert="horz" wrap="square" lIns="121900" tIns="121900" rIns="121900" bIns="121900" rtlCol="0" anchor="b" anchorCtr="0">
+            <a:normAutofit/>
+          </a:bodyPr>
+          <a:lstStyle/>
+          <a:p>
+            <a:pPr>
+              <a:spcBef>
+                <a:spcPts val="0"/>
+              </a:spcBef>
+            </a:pPr>
+            <a:r>
+              <a:rPr lang="en" dirty="0"/>
+              <a:t>Naming conventions and Formatting</a:t>
+            </a:r>
+            <a:endParaRPr dirty="0"/>
+          </a:p>
+        </p:txBody>
+      </p:sp>
+      <p:sp>
+        <p:nvSpPr>
+          <p:cNvPr id="84" name="Google Shape;84;p18"/>
+          <p:cNvSpPr txBox="1"/>
+          <p:nvPr/>
+        </p:nvSpPr>
+        <p:spPr>
+          <a:xfrm>
+            <a:off x="817967" y="4455734"/>
+            <a:ext cx="11193200" cy="984845"/>
+          </a:xfrm>
+          <a:prstGeom prst="rect">
+            <a:avLst/>
+          </a:prstGeom>
+          <a:noFill/>
+          <a:ln>
+            <a:noFill/>
+          </a:ln>
+        </p:spPr>
+        <p:txBody>
+          <a:bodyPr spcFirstLastPara="1" wrap="square" lIns="121900" tIns="121900" rIns="121900" bIns="121900" anchor="t" anchorCtr="0">
+            <a:spAutoFit/>
+          </a:bodyPr>
+          <a:lstStyle/>
+          <a:p>
+            <a:r>
+              <a:rPr lang="en" sz="2400"/>
+              <a:t>With some material from https://www.codementor.io/@tanakamutakwa/writing-clean-code-naming-1msxn728ht#make-meaningful-distinctions</a:t>
+            </a:r>
+            <a:endParaRPr sz="2400"/>
+          </a:p>
+        </p:txBody>
+      </p:sp>
+    </p:spTree>
+  </p:cSld>
+  <p:clrMapOvr>
+    <a:masterClrMapping/>
+  </p:clrMapOvr>
+</p:sld>
+</file>
+
+<file path=ppt/slides/slide13.xml><?xml version="1.0" encoding="utf-8"?>
+<p:sld xmlns:a="http://schemas.openxmlformats.org/drawingml/2006/main" xmlns:r="http://schemas.openxmlformats.org/officeDocument/2006/relationships" xmlns:p="http://schemas.openxmlformats.org/presentationml/2006/main">
+  <p:cSld>
+    <p:spTree>
+      <p:nvGrpSpPr>
+        <p:cNvPr id="1" name="Shape 88"/>
+        <p:cNvGrpSpPr/>
+        <p:nvPr/>
+      </p:nvGrpSpPr>
+      <p:grpSpPr>
+        <a:xfrm>
+          <a:off x="0" y="0"/>
+          <a:ext cx="0" cy="0"/>
+          <a:chOff x="0" y="0"/>
+          <a:chExt cx="0" cy="0"/>
+        </a:xfrm>
+      </p:grpSpPr>
+      <p:sp>
+        <p:nvSpPr>
+          <p:cNvPr id="89" name="Google Shape;89;p19"/>
+          <p:cNvSpPr txBox="1">
+            <a:spLocks noGrp="1"/>
+          </p:cNvSpPr>
+          <p:nvPr>
+            <p:ph type="title"/>
+          </p:nvPr>
+        </p:nvSpPr>
+        <p:spPr>
+          <a:xfrm>
+            <a:off x="415600" y="593367"/>
+            <a:ext cx="11360800" cy="763600"/>
+          </a:xfrm>
+          <a:prstGeom prst="rect">
+            <a:avLst/>
+          </a:prstGeom>
+        </p:spPr>
+        <p:txBody>
+          <a:bodyPr spcFirstLastPara="1" vert="horz" wrap="square" lIns="121900" tIns="121900" rIns="121900" bIns="121900" rtlCol="0" anchor="t" anchorCtr="0">
+            <a:normAutofit fontScale="90000"/>
+          </a:bodyPr>
+          <a:lstStyle/>
+          <a:p>
+            <a:r>
+              <a:rPr lang="en"/>
+              <a:t>Why this matters</a:t>
+            </a:r>
+            <a:endParaRPr/>
+          </a:p>
+        </p:txBody>
+      </p:sp>
+      <p:sp>
+        <p:nvSpPr>
+          <p:cNvPr id="90" name="Google Shape;90;p19"/>
+          <p:cNvSpPr txBox="1">
+            <a:spLocks noGrp="1"/>
+          </p:cNvSpPr>
+          <p:nvPr>
+            <p:ph type="body" idx="1"/>
+          </p:nvPr>
+        </p:nvSpPr>
+        <p:spPr>
+          <a:xfrm>
+            <a:off x="415600" y="1536633"/>
+            <a:ext cx="4728800" cy="4555200"/>
+          </a:xfrm>
+          <a:prstGeom prst="rect">
+            <a:avLst/>
+          </a:prstGeom>
+        </p:spPr>
+        <p:txBody>
+          <a:bodyPr spcFirstLastPara="1" vert="horz" wrap="square" lIns="121900" tIns="121900" rIns="121900" bIns="121900" rtlCol="0" anchor="t" anchorCtr="0">
+            <a:normAutofit/>
+          </a:bodyPr>
+          <a:lstStyle/>
+          <a:p>
+            <a:pPr marL="0" indent="0">
+              <a:spcAft>
+                <a:spcPts val="1600"/>
+              </a:spcAft>
+              <a:buNone/>
+            </a:pPr>
+            <a:r>
+              <a:rPr lang="en"/>
+              <a:t>You want to hijack the tools already in your brain that help you think about language, to help you think about code</a:t>
+            </a:r>
+            <a:endParaRPr/>
+          </a:p>
+        </p:txBody>
+      </p:sp>
+      <p:pic>
+        <p:nvPicPr>
+          <p:cNvPr id="91" name="Google Shape;91;p19"/>
+          <p:cNvPicPr preferRelativeResize="0"/>
+          <p:nvPr/>
+        </p:nvPicPr>
+        <p:blipFill>
+          <a:blip r:embed="rId3">
+            <a:alphaModFix/>
+          </a:blip>
+          <a:stretch>
+            <a:fillRect/>
+          </a:stretch>
+        </p:blipFill>
+        <p:spPr>
+          <a:xfrm>
+            <a:off x="5304567" y="1086634"/>
+            <a:ext cx="6578436" cy="5094633"/>
+          </a:xfrm>
+          <a:prstGeom prst="rect">
+            <a:avLst/>
+          </a:prstGeom>
+          <a:noFill/>
+          <a:ln>
+            <a:noFill/>
+          </a:ln>
+        </p:spPr>
+      </p:pic>
+    </p:spTree>
+  </p:cSld>
+  <p:clrMapOvr>
+    <a:masterClrMapping/>
+  </p:clrMapOvr>
+</p:sld>
+</file>
+
+<file path=ppt/slides/slide14.xml><?xml version="1.0" encoding="utf-8"?>
+<p:sld xmlns:a="http://schemas.openxmlformats.org/drawingml/2006/main" xmlns:r="http://schemas.openxmlformats.org/officeDocument/2006/relationships" xmlns:p="http://schemas.openxmlformats.org/presentationml/2006/main">
+  <p:cSld>
+    <p:spTree>
+      <p:nvGrpSpPr>
+        <p:cNvPr id="1" name="Shape 95"/>
+        <p:cNvGrpSpPr/>
+        <p:nvPr/>
+      </p:nvGrpSpPr>
+      <p:grpSpPr>
+        <a:xfrm>
+          <a:off x="0" y="0"/>
+          <a:ext cx="0" cy="0"/>
+          <a:chOff x="0" y="0"/>
+          <a:chExt cx="0" cy="0"/>
+        </a:xfrm>
+      </p:grpSpPr>
+      <p:sp>
+        <p:nvSpPr>
+          <p:cNvPr id="96" name="Google Shape;96;p20"/>
+          <p:cNvSpPr txBox="1">
+            <a:spLocks noGrp="1"/>
+          </p:cNvSpPr>
+          <p:nvPr>
+            <p:ph type="title"/>
+          </p:nvPr>
+        </p:nvSpPr>
+        <p:spPr>
+          <a:xfrm>
+            <a:off x="415600" y="593367"/>
+            <a:ext cx="11360800" cy="763600"/>
+          </a:xfrm>
+          <a:prstGeom prst="rect">
+            <a:avLst/>
+          </a:prstGeom>
+        </p:spPr>
+        <p:txBody>
+          <a:bodyPr spcFirstLastPara="1" vert="horz" wrap="square" lIns="121900" tIns="121900" rIns="121900" bIns="121900" rtlCol="0" anchor="t" anchorCtr="0">
+            <a:normAutofit fontScale="90000"/>
+          </a:bodyPr>
+          <a:lstStyle/>
+          <a:p>
+            <a:r>
+              <a:rPr lang="en" dirty="0"/>
+              <a:t>Which of these is easier to read? </a:t>
+            </a:r>
+            <a:endParaRPr dirty="0"/>
+          </a:p>
+        </p:txBody>
+      </p:sp>
+      <p:pic>
+        <p:nvPicPr>
+          <p:cNvPr id="97" name="Google Shape;97;p20"/>
+          <p:cNvPicPr preferRelativeResize="0"/>
+          <p:nvPr/>
+        </p:nvPicPr>
+        <p:blipFill>
+          <a:blip r:embed="rId3">
+            <a:alphaModFix/>
+          </a:blip>
+          <a:stretch>
+            <a:fillRect/>
+          </a:stretch>
+        </p:blipFill>
+        <p:spPr>
+          <a:xfrm>
+            <a:off x="917142" y="1509430"/>
+            <a:ext cx="10138233" cy="2216367"/>
+          </a:xfrm>
+          <a:prstGeom prst="rect">
+            <a:avLst/>
+          </a:prstGeom>
+          <a:noFill/>
+          <a:ln>
+            <a:noFill/>
+          </a:ln>
+        </p:spPr>
+      </p:pic>
+      <p:pic>
+        <p:nvPicPr>
+          <p:cNvPr id="2" name="Google Shape;103;p21">
+            <a:extLst>
+              <a:ext uri="{FF2B5EF4-FFF2-40B4-BE49-F238E27FC236}">
+                <a16:creationId xmlns:a16="http://schemas.microsoft.com/office/drawing/2014/main" id="{3CEF3C77-B851-88A9-92A2-8496D1699759}"/>
+              </a:ext>
+            </a:extLst>
+          </p:cNvPr>
+          <p:cNvPicPr preferRelativeResize="0"/>
+          <p:nvPr/>
+        </p:nvPicPr>
+        <p:blipFill>
+          <a:blip r:embed="rId4">
+            <a:alphaModFix/>
+          </a:blip>
+          <a:stretch>
+            <a:fillRect/>
+          </a:stretch>
+        </p:blipFill>
+        <p:spPr>
+          <a:xfrm>
+            <a:off x="917142" y="4506625"/>
+            <a:ext cx="10138233" cy="2096055"/>
+          </a:xfrm>
+          <a:prstGeom prst="rect">
+            <a:avLst/>
+          </a:prstGeom>
+          <a:noFill/>
+          <a:ln>
+            <a:noFill/>
+          </a:ln>
+        </p:spPr>
+      </p:pic>
+    </p:spTree>
+  </p:cSld>
+  <p:clrMapOvr>
+    <a:masterClrMapping/>
+  </p:clrMapOvr>
+</p:sld>
+</file>
+
+<file path=ppt/slides/slide15.xml><?xml version="1.0" encoding="utf-8"?>
+<p:sld xmlns:a="http://schemas.openxmlformats.org/drawingml/2006/main" xmlns:r="http://schemas.openxmlformats.org/officeDocument/2006/relationships" xmlns:p="http://schemas.openxmlformats.org/presentationml/2006/main">
+  <p:cSld>
+    <p:spTree>
+      <p:nvGrpSpPr>
+        <p:cNvPr id="1" name="Shape 107"/>
+        <p:cNvGrpSpPr/>
+        <p:nvPr/>
+      </p:nvGrpSpPr>
+      <p:grpSpPr>
+        <a:xfrm>
+          <a:off x="0" y="0"/>
+          <a:ext cx="0" cy="0"/>
+          <a:chOff x="0" y="0"/>
+          <a:chExt cx="0" cy="0"/>
+        </a:xfrm>
+      </p:grpSpPr>
+      <p:sp>
+        <p:nvSpPr>
+          <p:cNvPr id="108" name="Google Shape;108;p22"/>
+          <p:cNvSpPr txBox="1">
+            <a:spLocks noGrp="1"/>
+          </p:cNvSpPr>
+          <p:nvPr>
+            <p:ph type="title"/>
+          </p:nvPr>
+        </p:nvSpPr>
+        <p:spPr>
+          <a:xfrm>
+            <a:off x="415600" y="593367"/>
+            <a:ext cx="11360800" cy="763600"/>
+          </a:xfrm>
+          <a:prstGeom prst="rect">
+            <a:avLst/>
+          </a:prstGeom>
+        </p:spPr>
+        <p:txBody>
+          <a:bodyPr spcFirstLastPara="1" vert="horz" wrap="square" lIns="121900" tIns="121900" rIns="121900" bIns="121900" rtlCol="0" anchor="t" anchorCtr="0">
+            <a:normAutofit fontScale="90000"/>
+          </a:bodyPr>
+          <a:lstStyle/>
+          <a:p>
+            <a:r>
+              <a:rPr lang="en"/>
+              <a:t>Use intention revealing names i.e. spell them out</a:t>
+            </a:r>
+            <a:endParaRPr/>
+          </a:p>
+        </p:txBody>
+      </p:sp>
+      <p:sp>
+        <p:nvSpPr>
+          <p:cNvPr id="109" name="Google Shape;109;p22"/>
+          <p:cNvSpPr txBox="1">
+            <a:spLocks noGrp="1"/>
+          </p:cNvSpPr>
+          <p:nvPr>
+            <p:ph type="body" idx="1"/>
+          </p:nvPr>
+        </p:nvSpPr>
+        <p:spPr>
+          <a:xfrm>
+            <a:off x="415600" y="1536633"/>
+            <a:ext cx="11360800" cy="4555200"/>
+          </a:xfrm>
+          <a:prstGeom prst="rect">
+            <a:avLst/>
+          </a:prstGeom>
+        </p:spPr>
+        <p:txBody>
+          <a:bodyPr spcFirstLastPara="1" vert="horz" wrap="square" lIns="121900" tIns="121900" rIns="121900" bIns="121900" rtlCol="0" anchor="t" anchorCtr="0">
+            <a:normAutofit/>
+          </a:bodyPr>
+          <a:lstStyle/>
+          <a:p>
+            <a:pPr marL="0" indent="0" algn="ctr">
+              <a:buNone/>
+            </a:pPr>
+            <a:endParaRPr sz="1467">
+              <a:solidFill>
+                <a:schemeClr val="dk1"/>
+              </a:solidFill>
+            </a:endParaRPr>
+          </a:p>
+          <a:p>
+            <a:pPr marL="0" indent="0" algn="ctr">
+              <a:buNone/>
+            </a:pPr>
+            <a:r>
+              <a:rPr lang="en" sz="5733">
+                <a:solidFill>
+                  <a:schemeClr val="dk1"/>
+                </a:solidFill>
+              </a:rPr>
+              <a:t>file_loader</a:t>
+            </a:r>
+            <a:endParaRPr sz="5733">
+              <a:solidFill>
+                <a:schemeClr val="dk1"/>
+              </a:solidFill>
+            </a:endParaRPr>
+          </a:p>
+          <a:p>
+            <a:pPr marL="0" indent="0" algn="ctr">
+              <a:spcBef>
+                <a:spcPts val="1600"/>
+              </a:spcBef>
+              <a:buNone/>
+            </a:pPr>
+            <a:r>
+              <a:rPr lang="en" sz="5733">
+                <a:solidFill>
+                  <a:srgbClr val="FF0000"/>
+                </a:solidFill>
+              </a:rPr>
+              <a:t>not</a:t>
+            </a:r>
+            <a:endParaRPr sz="5733">
+              <a:solidFill>
+                <a:srgbClr val="FF0000"/>
+              </a:solidFill>
+            </a:endParaRPr>
+          </a:p>
+          <a:p>
+            <a:pPr marL="0" indent="0" algn="ctr">
+              <a:spcBef>
+                <a:spcPts val="1600"/>
+              </a:spcBef>
+              <a:spcAft>
+                <a:spcPts val="1600"/>
+              </a:spcAft>
+              <a:buNone/>
+            </a:pPr>
+            <a:r>
+              <a:rPr lang="en" sz="5733">
+                <a:solidFill>
+                  <a:schemeClr val="dk1"/>
+                </a:solidFill>
+              </a:rPr>
+              <a:t>fl</a:t>
+            </a:r>
+            <a:endParaRPr sz="5733">
+              <a:solidFill>
+                <a:schemeClr val="dk1"/>
+              </a:solidFill>
+            </a:endParaRPr>
+          </a:p>
+        </p:txBody>
+      </p:sp>
+    </p:spTree>
+  </p:cSld>
+  <p:clrMapOvr>
+    <a:masterClrMapping/>
+  </p:clrMapOvr>
+</p:sld>
+</file>
+
+<file path=ppt/slides/slide16.xml><?xml version="1.0" encoding="utf-8"?>
+<p:sld xmlns:a="http://schemas.openxmlformats.org/drawingml/2006/main" xmlns:r="http://schemas.openxmlformats.org/officeDocument/2006/relationships" xmlns:p="http://schemas.openxmlformats.org/presentationml/2006/main">
+  <p:cSld>
+    <p:spTree>
+      <p:nvGrpSpPr>
+        <p:cNvPr id="1" name="Shape 113"/>
+        <p:cNvGrpSpPr/>
+        <p:nvPr/>
+      </p:nvGrpSpPr>
+      <p:grpSpPr>
+        <a:xfrm>
+          <a:off x="0" y="0"/>
+          <a:ext cx="0" cy="0"/>
+          <a:chOff x="0" y="0"/>
+          <a:chExt cx="0" cy="0"/>
+        </a:xfrm>
+      </p:grpSpPr>
+      <p:sp>
+        <p:nvSpPr>
+          <p:cNvPr id="114" name="Google Shape;114;p23"/>
+          <p:cNvSpPr txBox="1">
+            <a:spLocks noGrp="1"/>
+          </p:cNvSpPr>
+          <p:nvPr>
+            <p:ph type="title"/>
+          </p:nvPr>
+        </p:nvSpPr>
+        <p:spPr>
+          <a:xfrm>
+            <a:off x="415600" y="593367"/>
+            <a:ext cx="11360800" cy="763600"/>
+          </a:xfrm>
+          <a:prstGeom prst="rect">
+            <a:avLst/>
+          </a:prstGeom>
+        </p:spPr>
+        <p:txBody>
+          <a:bodyPr spcFirstLastPara="1" vert="horz" wrap="square" lIns="121900" tIns="121900" rIns="121900" bIns="121900" rtlCol="0" anchor="t" anchorCtr="0">
+            <a:noAutofit/>
+          </a:bodyPr>
+          <a:lstStyle/>
+          <a:p>
+            <a:pPr>
+              <a:lnSpc>
+                <a:spcPct val="219230"/>
+              </a:lnSpc>
+              <a:spcBef>
+                <a:spcPts val="667"/>
+              </a:spcBef>
+              <a:buClr>
+                <a:schemeClr val="dk1"/>
+              </a:buClr>
+              <a:buSzPts val="990"/>
+            </a:pPr>
+            <a:r>
+              <a:rPr lang="en" sz="2667" b="1">
+                <a:solidFill>
+                  <a:srgbClr val="333333"/>
+                </a:solidFill>
+              </a:rPr>
+              <a:t>Classes and objects should have noun or noun phrase names</a:t>
+            </a:r>
+            <a:endParaRPr sz="2667" b="1">
+              <a:solidFill>
+                <a:srgbClr val="333333"/>
+              </a:solidFill>
+            </a:endParaRPr>
+          </a:p>
+          <a:p>
+            <a:pPr>
+              <a:spcBef>
+                <a:spcPts val="1200"/>
+              </a:spcBef>
+              <a:buSzPts val="990"/>
+            </a:pPr>
+            <a:endParaRPr sz="3360"/>
+          </a:p>
+        </p:txBody>
+      </p:sp>
+      <p:sp>
+        <p:nvSpPr>
+          <p:cNvPr id="115" name="Google Shape;115;p23"/>
+          <p:cNvSpPr txBox="1">
+            <a:spLocks noGrp="1"/>
+          </p:cNvSpPr>
+          <p:nvPr>
+            <p:ph type="body" idx="1"/>
+          </p:nvPr>
+        </p:nvSpPr>
+        <p:spPr>
+          <a:xfrm>
+            <a:off x="415600" y="1536633"/>
+            <a:ext cx="11360800" cy="4555200"/>
+          </a:xfrm>
+          <a:prstGeom prst="rect">
+            <a:avLst/>
+          </a:prstGeom>
+        </p:spPr>
+        <p:txBody>
+          <a:bodyPr spcFirstLastPara="1" vert="horz" wrap="square" lIns="121900" tIns="121900" rIns="121900" bIns="121900" rtlCol="0" anchor="t" anchorCtr="0">
+            <a:normAutofit/>
+          </a:bodyPr>
+          <a:lstStyle/>
+          <a:p>
+            <a:pPr marL="0" indent="0" algn="ctr">
+              <a:lnSpc>
+                <a:spcPct val="105000"/>
+              </a:lnSpc>
+              <a:buNone/>
+            </a:pPr>
+            <a:endParaRPr sz="1067" dirty="0">
+              <a:solidFill>
+                <a:schemeClr val="dk1"/>
+              </a:solidFill>
+            </a:endParaRPr>
+          </a:p>
+          <a:p>
+            <a:pPr marL="0" indent="0" algn="ctr">
+              <a:lnSpc>
+                <a:spcPct val="105000"/>
+              </a:lnSpc>
+              <a:buNone/>
+            </a:pPr>
+            <a:r>
+              <a:rPr lang="en" sz="5333" dirty="0" err="1">
+                <a:solidFill>
+                  <a:schemeClr val="dk1"/>
+                </a:solidFill>
+              </a:rPr>
+              <a:t>FlowMax</a:t>
+            </a:r>
+            <a:r>
+              <a:rPr lang="en" sz="5333" dirty="0">
+                <a:solidFill>
+                  <a:schemeClr val="dk1"/>
+                </a:solidFill>
+              </a:rPr>
+              <a:t>() or flow_</a:t>
+            </a:r>
+            <a:r>
+              <a:rPr lang="en-US" sz="5333" dirty="0">
+                <a:solidFill>
+                  <a:schemeClr val="dk1"/>
+                </a:solidFill>
+              </a:rPr>
+              <a:t>max</a:t>
+            </a:r>
+            <a:endParaRPr sz="5333" dirty="0">
+              <a:solidFill>
+                <a:schemeClr val="dk1"/>
+              </a:solidFill>
+            </a:endParaRPr>
+          </a:p>
+          <a:p>
+            <a:pPr marL="0" indent="0" algn="ctr">
+              <a:lnSpc>
+                <a:spcPct val="105000"/>
+              </a:lnSpc>
+              <a:spcBef>
+                <a:spcPts val="1600"/>
+              </a:spcBef>
+              <a:buNone/>
+            </a:pPr>
+            <a:r>
+              <a:rPr lang="en" sz="5333" dirty="0">
+                <a:solidFill>
+                  <a:srgbClr val="FF0000"/>
+                </a:solidFill>
+              </a:rPr>
+              <a:t>not</a:t>
+            </a:r>
+            <a:endParaRPr sz="5333" dirty="0">
+              <a:solidFill>
+                <a:srgbClr val="FF0000"/>
+              </a:solidFill>
+            </a:endParaRPr>
+          </a:p>
+          <a:p>
+            <a:pPr marL="0" indent="0" algn="ctr">
+              <a:lnSpc>
+                <a:spcPct val="105000"/>
+              </a:lnSpc>
+              <a:spcBef>
+                <a:spcPts val="1600"/>
+              </a:spcBef>
+              <a:spcAft>
+                <a:spcPts val="1600"/>
+              </a:spcAft>
+              <a:buNone/>
+            </a:pPr>
+            <a:r>
+              <a:rPr lang="en" sz="5333" dirty="0" err="1">
+                <a:solidFill>
+                  <a:schemeClr val="dk1"/>
+                </a:solidFill>
+              </a:rPr>
+              <a:t>maximizing_flow</a:t>
+            </a:r>
+            <a:endParaRPr sz="5333" dirty="0">
+              <a:solidFill>
+                <a:schemeClr val="dk1"/>
+              </a:solidFill>
+            </a:endParaRPr>
+          </a:p>
+        </p:txBody>
+      </p:sp>
+    </p:spTree>
+  </p:cSld>
+  <p:clrMapOvr>
+    <a:masterClrMapping/>
+  </p:clrMapOvr>
+</p:sld>
+</file>
+
+<file path=ppt/slides/slide17.xml><?xml version="1.0" encoding="utf-8"?>
+<p:sld xmlns:a="http://schemas.openxmlformats.org/drawingml/2006/main" xmlns:r="http://schemas.openxmlformats.org/officeDocument/2006/relationships" xmlns:p="http://schemas.openxmlformats.org/presentationml/2006/main">
+  <p:cSld>
+    <p:spTree>
+      <p:nvGrpSpPr>
+        <p:cNvPr id="1" name="Shape 119"/>
+        <p:cNvGrpSpPr/>
+        <p:nvPr/>
+      </p:nvGrpSpPr>
+      <p:grpSpPr>
+        <a:xfrm>
+          <a:off x="0" y="0"/>
+          <a:ext cx="0" cy="0"/>
+          <a:chOff x="0" y="0"/>
+          <a:chExt cx="0" cy="0"/>
+        </a:xfrm>
+      </p:grpSpPr>
+      <p:sp>
+        <p:nvSpPr>
+          <p:cNvPr id="120" name="Google Shape;120;p24"/>
+          <p:cNvSpPr txBox="1">
+            <a:spLocks noGrp="1"/>
+          </p:cNvSpPr>
+          <p:nvPr>
+            <p:ph type="title"/>
+          </p:nvPr>
+        </p:nvSpPr>
+        <p:spPr>
+          <a:xfrm>
+            <a:off x="415600" y="593367"/>
+            <a:ext cx="11360800" cy="763600"/>
+          </a:xfrm>
+          <a:prstGeom prst="rect">
+            <a:avLst/>
+          </a:prstGeom>
+        </p:spPr>
+        <p:txBody>
+          <a:bodyPr spcFirstLastPara="1" vert="horz" wrap="square" lIns="121900" tIns="121900" rIns="121900" bIns="121900" rtlCol="0" anchor="t" anchorCtr="0">
+            <a:normAutofit fontScale="90000"/>
+          </a:bodyPr>
+          <a:lstStyle/>
+          <a:p>
+            <a:pPr>
+              <a:lnSpc>
+                <a:spcPct val="219230"/>
+              </a:lnSpc>
+              <a:spcBef>
+                <a:spcPts val="667"/>
+              </a:spcBef>
+              <a:buClr>
+                <a:schemeClr val="dk1"/>
+              </a:buClr>
+              <a:buSzPct val="50000"/>
+            </a:pPr>
+            <a:r>
+              <a:rPr lang="en" sz="2933" b="1" dirty="0">
+                <a:solidFill>
+                  <a:srgbClr val="333333"/>
+                </a:solidFill>
+              </a:rPr>
+              <a:t>Methods and Functions should have verb or verb phrase names</a:t>
+            </a:r>
+            <a:endParaRPr sz="2933" b="1" dirty="0">
+              <a:solidFill>
+                <a:srgbClr val="333333"/>
+              </a:solidFill>
+            </a:endParaRPr>
+          </a:p>
+          <a:p>
+            <a:pPr>
+              <a:lnSpc>
+                <a:spcPct val="115000"/>
+              </a:lnSpc>
+              <a:spcBef>
+                <a:spcPts val="1200"/>
+              </a:spcBef>
+              <a:buClr>
+                <a:schemeClr val="dk1"/>
+              </a:buClr>
+              <a:buSzPct val="100000"/>
+            </a:pPr>
+            <a:endParaRPr sz="1467" dirty="0"/>
+          </a:p>
+          <a:p>
+            <a:endParaRPr dirty="0"/>
+          </a:p>
+        </p:txBody>
+      </p:sp>
+      <p:sp>
+        <p:nvSpPr>
+          <p:cNvPr id="121" name="Google Shape;121;p24"/>
+          <p:cNvSpPr txBox="1">
+            <a:spLocks noGrp="1"/>
+          </p:cNvSpPr>
+          <p:nvPr>
+            <p:ph type="body" idx="1"/>
+          </p:nvPr>
+        </p:nvSpPr>
+        <p:spPr>
+          <a:xfrm>
+            <a:off x="415600" y="1536633"/>
+            <a:ext cx="11360800" cy="4555200"/>
+          </a:xfrm>
+          <a:prstGeom prst="rect">
+            <a:avLst/>
+          </a:prstGeom>
+        </p:spPr>
+        <p:txBody>
+          <a:bodyPr spcFirstLastPara="1" vert="horz" wrap="square" lIns="121900" tIns="121900" rIns="121900" bIns="121900" rtlCol="0" anchor="t" anchorCtr="0">
+            <a:normAutofit/>
+          </a:bodyPr>
+          <a:lstStyle/>
+          <a:p>
+            <a:pPr marL="0" indent="0" algn="ctr">
+              <a:lnSpc>
+                <a:spcPct val="105000"/>
+              </a:lnSpc>
+              <a:buClr>
+                <a:schemeClr val="dk1"/>
+              </a:buClr>
+              <a:buSzPts val="1100"/>
+              <a:buNone/>
+            </a:pPr>
+            <a:endParaRPr sz="1067" dirty="0">
+              <a:solidFill>
+                <a:schemeClr val="dk1"/>
+              </a:solidFill>
+            </a:endParaRPr>
+          </a:p>
+          <a:p>
+            <a:pPr marL="0" indent="0" algn="ctr">
+              <a:lnSpc>
+                <a:spcPct val="105000"/>
+              </a:lnSpc>
+              <a:buClr>
+                <a:schemeClr val="dk1"/>
+              </a:buClr>
+              <a:buSzPts val="1100"/>
+              <a:buNone/>
+            </a:pPr>
+            <a:r>
+              <a:rPr lang="en" sz="5333" dirty="0" err="1">
+                <a:solidFill>
+                  <a:schemeClr val="dk1"/>
+                </a:solidFill>
+              </a:rPr>
+              <a:t>get_data</a:t>
+            </a:r>
+            <a:r>
+              <a:rPr lang="en" sz="5333" dirty="0">
+                <a:solidFill>
+                  <a:schemeClr val="dk1"/>
+                </a:solidFill>
+              </a:rPr>
+              <a:t>()</a:t>
+            </a:r>
+            <a:endParaRPr sz="5333" dirty="0">
+              <a:solidFill>
+                <a:schemeClr val="dk1"/>
+              </a:solidFill>
+            </a:endParaRPr>
+          </a:p>
+          <a:p>
+            <a:pPr marL="0" indent="0" algn="ctr">
+              <a:lnSpc>
+                <a:spcPct val="105000"/>
+              </a:lnSpc>
+              <a:spcBef>
+                <a:spcPts val="1600"/>
+              </a:spcBef>
+              <a:buClr>
+                <a:schemeClr val="dk1"/>
+              </a:buClr>
+              <a:buSzPts val="1100"/>
+              <a:buNone/>
+            </a:pPr>
+            <a:r>
+              <a:rPr lang="en" sz="5333" dirty="0">
+                <a:solidFill>
+                  <a:srgbClr val="FF0000"/>
+                </a:solidFill>
+              </a:rPr>
+              <a:t>not</a:t>
+            </a:r>
+            <a:endParaRPr sz="5333" dirty="0">
+              <a:solidFill>
+                <a:srgbClr val="FF0000"/>
+              </a:solidFill>
+            </a:endParaRPr>
+          </a:p>
+          <a:p>
+            <a:pPr marL="0" indent="0" algn="ctr">
+              <a:lnSpc>
+                <a:spcPct val="105000"/>
+              </a:lnSpc>
+              <a:spcBef>
+                <a:spcPts val="1600"/>
+              </a:spcBef>
+              <a:buClr>
+                <a:schemeClr val="dk1"/>
+              </a:buClr>
+              <a:buSzPts val="1100"/>
+              <a:buNone/>
+            </a:pPr>
+            <a:r>
+              <a:rPr lang="en" sz="5333" dirty="0">
+                <a:solidFill>
+                  <a:schemeClr val="dk1"/>
+                </a:solidFill>
+              </a:rPr>
+              <a:t>data()</a:t>
+            </a:r>
+            <a:endParaRPr sz="5333" dirty="0">
+              <a:solidFill>
+                <a:schemeClr val="dk1"/>
+              </a:solidFill>
+            </a:endParaRPr>
+          </a:p>
+          <a:p>
+            <a:pPr marL="0" indent="0">
+              <a:spcBef>
+                <a:spcPts val="1600"/>
+              </a:spcBef>
+              <a:spcAft>
+                <a:spcPts val="1600"/>
+              </a:spcAft>
+              <a:buNone/>
+            </a:pPr>
+            <a:endParaRPr dirty="0"/>
+          </a:p>
+        </p:txBody>
+      </p:sp>
+    </p:spTree>
+  </p:cSld>
+  <p:clrMapOvr>
+    <a:masterClrMapping/>
+  </p:clrMapOvr>
+</p:sld>
+</file>
+
+<file path=ppt/slides/slide18.xml><?xml version="1.0" encoding="utf-8"?>
+<p:sld xmlns:a="http://schemas.openxmlformats.org/drawingml/2006/main" xmlns:r="http://schemas.openxmlformats.org/officeDocument/2006/relationships" xmlns:p="http://schemas.openxmlformats.org/presentationml/2006/main">
+  <p:cSld>
+    <p:spTree>
+      <p:nvGrpSpPr>
+        <p:cNvPr id="1" name="Shape 125"/>
+        <p:cNvGrpSpPr/>
+        <p:nvPr/>
+      </p:nvGrpSpPr>
+      <p:grpSpPr>
+        <a:xfrm>
+          <a:off x="0" y="0"/>
+          <a:ext cx="0" cy="0"/>
+          <a:chOff x="0" y="0"/>
+          <a:chExt cx="0" cy="0"/>
+        </a:xfrm>
+      </p:grpSpPr>
+      <p:sp>
+        <p:nvSpPr>
+          <p:cNvPr id="126" name="Google Shape;126;p25"/>
+          <p:cNvSpPr txBox="1">
+            <a:spLocks noGrp="1"/>
+          </p:cNvSpPr>
+          <p:nvPr>
+            <p:ph type="title"/>
+          </p:nvPr>
+        </p:nvSpPr>
+        <p:spPr>
+          <a:xfrm>
+            <a:off x="415600" y="593367"/>
+            <a:ext cx="11360800" cy="763600"/>
+          </a:xfrm>
+          <a:prstGeom prst="rect">
+            <a:avLst/>
+          </a:prstGeom>
+        </p:spPr>
+        <p:txBody>
+          <a:bodyPr spcFirstLastPara="1" vert="horz" wrap="square" lIns="121900" tIns="121900" rIns="121900" bIns="121900" rtlCol="0" anchor="t" anchorCtr="0">
+            <a:normAutofit fontScale="90000"/>
+          </a:bodyPr>
+          <a:lstStyle/>
+          <a:p>
+            <a:pPr>
+              <a:lnSpc>
+                <a:spcPct val="219230"/>
+              </a:lnSpc>
+              <a:spcBef>
+                <a:spcPts val="667"/>
+              </a:spcBef>
+              <a:buClr>
+                <a:schemeClr val="dk1"/>
+              </a:buClr>
+              <a:buSzPct val="50000"/>
+            </a:pPr>
+            <a:r>
+              <a:rPr lang="en" sz="2933" b="1">
+                <a:solidFill>
+                  <a:srgbClr val="333333"/>
+                </a:solidFill>
+              </a:rPr>
+              <a:t>Make meaningful distinctions</a:t>
+            </a:r>
+            <a:endParaRPr sz="2933" b="1">
+              <a:solidFill>
+                <a:srgbClr val="333333"/>
+              </a:solidFill>
+            </a:endParaRPr>
+          </a:p>
+          <a:p>
+            <a:pPr>
+              <a:lnSpc>
+                <a:spcPct val="115000"/>
+              </a:lnSpc>
+              <a:spcBef>
+                <a:spcPts val="1200"/>
+              </a:spcBef>
+              <a:buClr>
+                <a:schemeClr val="dk1"/>
+              </a:buClr>
+              <a:buSzPct val="100000"/>
+            </a:pPr>
+            <a:endParaRPr sz="1467"/>
+          </a:p>
+          <a:p>
+            <a:endParaRPr/>
+          </a:p>
+        </p:txBody>
+      </p:sp>
+      <p:sp>
+        <p:nvSpPr>
+          <p:cNvPr id="127" name="Google Shape;127;p25"/>
+          <p:cNvSpPr txBox="1">
+            <a:spLocks noGrp="1"/>
+          </p:cNvSpPr>
+          <p:nvPr>
+            <p:ph type="body" idx="1"/>
+          </p:nvPr>
+        </p:nvSpPr>
+        <p:spPr>
+          <a:xfrm>
+            <a:off x="415600" y="1536633"/>
+            <a:ext cx="11360800" cy="4555200"/>
+          </a:xfrm>
+          <a:prstGeom prst="rect">
+            <a:avLst/>
+          </a:prstGeom>
+        </p:spPr>
+        <p:txBody>
+          <a:bodyPr spcFirstLastPara="1" vert="horz" wrap="square" lIns="121900" tIns="121900" rIns="121900" bIns="121900" rtlCol="0" anchor="t" anchorCtr="0">
+            <a:normAutofit/>
+          </a:bodyPr>
+          <a:lstStyle/>
+          <a:p>
+            <a:pPr marL="0" indent="0" algn="ctr">
+              <a:lnSpc>
+                <a:spcPct val="95000"/>
+              </a:lnSpc>
+              <a:buClr>
+                <a:schemeClr val="dk1"/>
+              </a:buClr>
+              <a:buSzPts val="1100"/>
+              <a:buNone/>
+            </a:pPr>
+            <a:endParaRPr sz="133">
+              <a:solidFill>
+                <a:schemeClr val="dk1"/>
+              </a:solidFill>
+            </a:endParaRPr>
+          </a:p>
+          <a:p>
+            <a:pPr marL="0" indent="0" algn="ctr">
+              <a:lnSpc>
+                <a:spcPct val="95000"/>
+              </a:lnSpc>
+              <a:buClr>
+                <a:schemeClr val="dk1"/>
+              </a:buClr>
+              <a:buSzPts val="1100"/>
+              <a:buNone/>
+            </a:pPr>
+            <a:r>
+              <a:rPr lang="en" sz="3977" i="1">
+                <a:solidFill>
+                  <a:schemeClr val="dk1"/>
+                </a:solidFill>
+              </a:rPr>
+              <a:t>get_snowpack_data()</a:t>
+            </a:r>
+            <a:r>
+              <a:rPr lang="en" sz="3977">
+                <a:solidFill>
+                  <a:schemeClr val="dk1"/>
+                </a:solidFill>
+              </a:rPr>
+              <a:t> and </a:t>
+            </a:r>
+            <a:r>
+              <a:rPr lang="en" sz="3977" i="1">
+                <a:solidFill>
+                  <a:schemeClr val="dk1"/>
+                </a:solidFill>
+              </a:rPr>
+              <a:t>get_rainfall_data()</a:t>
+            </a:r>
+            <a:endParaRPr sz="3977" i="1">
+              <a:solidFill>
+                <a:schemeClr val="dk1"/>
+              </a:solidFill>
+            </a:endParaRPr>
+          </a:p>
+          <a:p>
+            <a:pPr marL="0" indent="0" algn="ctr">
+              <a:lnSpc>
+                <a:spcPct val="95000"/>
+              </a:lnSpc>
+              <a:spcBef>
+                <a:spcPts val="1600"/>
+              </a:spcBef>
+              <a:buClr>
+                <a:schemeClr val="dk1"/>
+              </a:buClr>
+              <a:buSzPts val="1100"/>
+              <a:buNone/>
+            </a:pPr>
+            <a:r>
+              <a:rPr lang="en" sz="3977">
+                <a:solidFill>
+                  <a:srgbClr val="FF0000"/>
+                </a:solidFill>
+              </a:rPr>
+              <a:t>not</a:t>
+            </a:r>
+            <a:endParaRPr sz="3977">
+              <a:solidFill>
+                <a:srgbClr val="FF0000"/>
+              </a:solidFill>
+            </a:endParaRPr>
+          </a:p>
+          <a:p>
+            <a:pPr marL="0" indent="0" algn="ctr">
+              <a:lnSpc>
+                <a:spcPct val="95000"/>
+              </a:lnSpc>
+              <a:spcBef>
+                <a:spcPts val="1600"/>
+              </a:spcBef>
+              <a:buClr>
+                <a:schemeClr val="dk1"/>
+              </a:buClr>
+              <a:buSzPts val="1100"/>
+              <a:buNone/>
+            </a:pPr>
+            <a:r>
+              <a:rPr lang="en" sz="3977" i="1">
+                <a:solidFill>
+                  <a:schemeClr val="dk1"/>
+                </a:solidFill>
+              </a:rPr>
+              <a:t>get_snowpack_data()</a:t>
+            </a:r>
+            <a:r>
+              <a:rPr lang="en" sz="3977">
+                <a:solidFill>
+                  <a:schemeClr val="dk1"/>
+                </a:solidFill>
+              </a:rPr>
+              <a:t> and </a:t>
+            </a:r>
+            <a:r>
+              <a:rPr lang="en" sz="3977" i="1">
+                <a:solidFill>
+                  <a:schemeClr val="dk1"/>
+                </a:solidFill>
+              </a:rPr>
+              <a:t>fetch_rainfall_data()</a:t>
+            </a:r>
+            <a:endParaRPr sz="3977" i="1">
+              <a:solidFill>
+                <a:schemeClr val="dk1"/>
+              </a:solidFill>
+            </a:endParaRPr>
+          </a:p>
+          <a:p>
+            <a:pPr marL="0" indent="0">
+              <a:lnSpc>
+                <a:spcPct val="105000"/>
+              </a:lnSpc>
+              <a:spcBef>
+                <a:spcPts val="1600"/>
+              </a:spcBef>
+              <a:buClr>
+                <a:schemeClr val="dk1"/>
+              </a:buClr>
+              <a:buSzPts val="1100"/>
+              <a:buNone/>
+            </a:pPr>
+            <a:endParaRPr sz="2000"/>
+          </a:p>
+          <a:p>
+            <a:pPr marL="0" indent="0">
+              <a:lnSpc>
+                <a:spcPct val="105000"/>
+              </a:lnSpc>
+              <a:spcBef>
+                <a:spcPts val="1600"/>
+              </a:spcBef>
+              <a:spcAft>
+                <a:spcPts val="1600"/>
+              </a:spcAft>
+              <a:buNone/>
+            </a:pPr>
+            <a:endParaRPr sz="2000"/>
+          </a:p>
+        </p:txBody>
+      </p:sp>
+    </p:spTree>
+  </p:cSld>
+  <p:clrMapOvr>
+    <a:masterClrMapping/>
+  </p:clrMapOvr>
+</p:sld>
+</file>
+
+<file path=ppt/slides/slide19.xml><?xml version="1.0" encoding="utf-8"?>
+<p:sld xmlns:a="http://schemas.openxmlformats.org/drawingml/2006/main" xmlns:r="http://schemas.openxmlformats.org/officeDocument/2006/relationships" xmlns:p="http://schemas.openxmlformats.org/presentationml/2006/main">
+  <p:cSld>
+    <p:spTree>
+      <p:nvGrpSpPr>
+        <p:cNvPr id="1" name="Shape 131"/>
+        <p:cNvGrpSpPr/>
+        <p:nvPr/>
+      </p:nvGrpSpPr>
+      <p:grpSpPr>
+        <a:xfrm>
+          <a:off x="0" y="0"/>
+          <a:ext cx="0" cy="0"/>
+          <a:chOff x="0" y="0"/>
+          <a:chExt cx="0" cy="0"/>
+        </a:xfrm>
+      </p:grpSpPr>
+      <p:sp>
+        <p:nvSpPr>
+          <p:cNvPr id="132" name="Google Shape;132;p26"/>
+          <p:cNvSpPr txBox="1">
+            <a:spLocks noGrp="1"/>
+          </p:cNvSpPr>
+          <p:nvPr>
+            <p:ph type="title"/>
+          </p:nvPr>
+        </p:nvSpPr>
+        <p:spPr>
+          <a:xfrm>
+            <a:off x="415600" y="593367"/>
+            <a:ext cx="11360800" cy="763600"/>
+          </a:xfrm>
+          <a:prstGeom prst="rect">
+            <a:avLst/>
+          </a:prstGeom>
+        </p:spPr>
+        <p:txBody>
+          <a:bodyPr spcFirstLastPara="1" vert="horz" wrap="square" lIns="121900" tIns="121900" rIns="121900" bIns="121900" rtlCol="0" anchor="t" anchorCtr="0">
+            <a:normAutofit fontScale="90000"/>
+          </a:bodyPr>
+          <a:lstStyle/>
+          <a:p>
+            <a:pPr>
+              <a:lnSpc>
+                <a:spcPct val="219230"/>
+              </a:lnSpc>
+              <a:spcBef>
+                <a:spcPts val="667"/>
+              </a:spcBef>
+              <a:buClr>
+                <a:schemeClr val="dk1"/>
+              </a:buClr>
+              <a:buSzPct val="50000"/>
+            </a:pPr>
+            <a:r>
+              <a:rPr lang="en" sz="2933" b="1">
+                <a:solidFill>
+                  <a:srgbClr val="333333"/>
+                </a:solidFill>
+              </a:rPr>
+              <a:t>Use pronounceable and searchable names</a:t>
+            </a:r>
+            <a:endParaRPr sz="2933" b="1">
+              <a:solidFill>
+                <a:srgbClr val="333333"/>
+              </a:solidFill>
+            </a:endParaRPr>
+          </a:p>
+          <a:p>
+            <a:pPr>
+              <a:lnSpc>
+                <a:spcPct val="115000"/>
+              </a:lnSpc>
+              <a:spcBef>
+                <a:spcPts val="1200"/>
+              </a:spcBef>
+              <a:buClr>
+                <a:schemeClr val="dk1"/>
+              </a:buClr>
+              <a:buSzPct val="100000"/>
+            </a:pPr>
+            <a:endParaRPr sz="1467"/>
+          </a:p>
+          <a:p>
+            <a:endParaRPr/>
+          </a:p>
+        </p:txBody>
+      </p:sp>
+      <p:sp>
+        <p:nvSpPr>
+          <p:cNvPr id="133" name="Google Shape;133;p26"/>
+          <p:cNvSpPr txBox="1">
+            <a:spLocks noGrp="1"/>
+          </p:cNvSpPr>
+          <p:nvPr>
+            <p:ph type="body" idx="1"/>
+          </p:nvPr>
+        </p:nvSpPr>
+        <p:spPr>
+          <a:xfrm>
+            <a:off x="415600" y="1536633"/>
+            <a:ext cx="11360800" cy="4555200"/>
+          </a:xfrm>
+          <a:prstGeom prst="rect">
+            <a:avLst/>
+          </a:prstGeom>
+        </p:spPr>
+        <p:txBody>
+          <a:bodyPr spcFirstLastPara="1" vert="horz" wrap="square" lIns="121900" tIns="121900" rIns="121900" bIns="121900" rtlCol="0" anchor="t" anchorCtr="0">
+            <a:normAutofit/>
+          </a:bodyPr>
+          <a:lstStyle/>
+          <a:p>
+            <a:pPr marL="0" indent="0" algn="ctr">
+              <a:lnSpc>
+                <a:spcPct val="105000"/>
+              </a:lnSpc>
+              <a:buClr>
+                <a:schemeClr val="dk1"/>
+              </a:buClr>
+              <a:buSzPts val="1100"/>
+              <a:buNone/>
+            </a:pPr>
+            <a:endParaRPr sz="1067">
+              <a:solidFill>
+                <a:schemeClr val="dk1"/>
+              </a:solidFill>
+            </a:endParaRPr>
+          </a:p>
+          <a:p>
+            <a:pPr marL="0" indent="0" algn="ctr">
+              <a:lnSpc>
+                <a:spcPct val="105000"/>
+              </a:lnSpc>
+              <a:buClr>
+                <a:schemeClr val="dk1"/>
+              </a:buClr>
+              <a:buSzPts val="1100"/>
+              <a:buNone/>
+            </a:pPr>
+            <a:r>
+              <a:rPr lang="en" sz="5333">
+                <a:solidFill>
+                  <a:schemeClr val="dk1"/>
+                </a:solidFill>
+              </a:rPr>
+              <a:t>modification_timestep</a:t>
+            </a:r>
+            <a:endParaRPr sz="5333">
+              <a:solidFill>
+                <a:schemeClr val="dk1"/>
+              </a:solidFill>
+            </a:endParaRPr>
+          </a:p>
+          <a:p>
+            <a:pPr marL="0" indent="0" algn="ctr">
+              <a:lnSpc>
+                <a:spcPct val="105000"/>
+              </a:lnSpc>
+              <a:spcBef>
+                <a:spcPts val="1600"/>
+              </a:spcBef>
+              <a:buClr>
+                <a:schemeClr val="dk1"/>
+              </a:buClr>
+              <a:buSzPts val="1100"/>
+              <a:buNone/>
+            </a:pPr>
+            <a:r>
+              <a:rPr lang="en" sz="5333">
+                <a:solidFill>
+                  <a:srgbClr val="FF0000"/>
+                </a:solidFill>
+              </a:rPr>
+              <a:t>not</a:t>
+            </a:r>
+            <a:endParaRPr sz="5333">
+              <a:solidFill>
+                <a:srgbClr val="FF0000"/>
+              </a:solidFill>
+            </a:endParaRPr>
+          </a:p>
+          <a:p>
+            <a:pPr marL="0" indent="0" algn="ctr">
+              <a:lnSpc>
+                <a:spcPct val="105000"/>
+              </a:lnSpc>
+              <a:spcBef>
+                <a:spcPts val="1600"/>
+              </a:spcBef>
+              <a:buClr>
+                <a:schemeClr val="dk1"/>
+              </a:buClr>
+              <a:buSzPts val="1100"/>
+              <a:buNone/>
+            </a:pPr>
+            <a:r>
+              <a:rPr lang="en" sz="5333">
+                <a:solidFill>
+                  <a:schemeClr val="dk1"/>
+                </a:solidFill>
+              </a:rPr>
+              <a:t>modymhms</a:t>
+            </a:r>
+            <a:endParaRPr sz="5333">
+              <a:solidFill>
+                <a:schemeClr val="dk1"/>
+              </a:solidFill>
+            </a:endParaRPr>
+          </a:p>
+          <a:p>
+            <a:pPr marL="0" indent="0">
+              <a:spcBef>
+                <a:spcPts val="1600"/>
+              </a:spcBef>
+              <a:buClr>
+                <a:schemeClr val="dk1"/>
+              </a:buClr>
+              <a:buSzPts val="1100"/>
+              <a:buNone/>
+            </a:pPr>
+            <a:endParaRPr/>
+          </a:p>
+          <a:p>
+            <a:pPr marL="0" indent="0">
+              <a:spcBef>
+                <a:spcPts val="1600"/>
+              </a:spcBef>
+              <a:spcAft>
+                <a:spcPts val="1600"/>
+              </a:spcAft>
+              <a:buNone/>
+            </a:pPr>
+            <a:endParaRPr/>
+          </a:p>
+        </p:txBody>
+      </p:sp>
+    </p:spTree>
+  </p:cSld>
+  <p:clrMapOvr>
+    <a:masterClrMapping/>
+  </p:clrMapOvr>
+</p:sld>
+</file>
+
 <file path=ppt/slides/slide2.xml><?xml version="1.0" encoding="utf-8"?>
 <p:sld xmlns:a="http://schemas.openxmlformats.org/drawingml/2006/main" xmlns:r="http://schemas.openxmlformats.org/officeDocument/2006/relationships" xmlns:p="http://schemas.openxmlformats.org/presentationml/2006/main">
   <p:cSld>
@@ -3589,6 +7174,449 @@
         <p14:creationId xmlns:p14="http://schemas.microsoft.com/office/powerpoint/2010/main" val="806685024"/>
       </p:ext>
     </p:extLst>
+  </p:cSld>
+  <p:clrMapOvr>
+    <a:masterClrMapping/>
+  </p:clrMapOvr>
+</p:sld>
+</file>
+
+<file path=ppt/slides/slide20.xml><?xml version="1.0" encoding="utf-8"?>
+<p:sld xmlns:a="http://schemas.openxmlformats.org/drawingml/2006/main" xmlns:r="http://schemas.openxmlformats.org/officeDocument/2006/relationships" xmlns:p="http://schemas.openxmlformats.org/presentationml/2006/main">
+  <p:cSld>
+    <p:spTree>
+      <p:nvGrpSpPr>
+        <p:cNvPr id="1" name="Shape 137"/>
+        <p:cNvGrpSpPr/>
+        <p:nvPr/>
+      </p:nvGrpSpPr>
+      <p:grpSpPr>
+        <a:xfrm>
+          <a:off x="0" y="0"/>
+          <a:ext cx="0" cy="0"/>
+          <a:chOff x="0" y="0"/>
+          <a:chExt cx="0" cy="0"/>
+        </a:xfrm>
+      </p:grpSpPr>
+      <p:sp>
+        <p:nvSpPr>
+          <p:cNvPr id="138" name="Google Shape;138;p27"/>
+          <p:cNvSpPr txBox="1">
+            <a:spLocks noGrp="1"/>
+          </p:cNvSpPr>
+          <p:nvPr>
+            <p:ph type="title"/>
+          </p:nvPr>
+        </p:nvSpPr>
+        <p:spPr>
+          <a:xfrm>
+            <a:off x="415600" y="593367"/>
+            <a:ext cx="11360800" cy="763600"/>
+          </a:xfrm>
+          <a:prstGeom prst="rect">
+            <a:avLst/>
+          </a:prstGeom>
+        </p:spPr>
+        <p:txBody>
+          <a:bodyPr spcFirstLastPara="1" vert="horz" wrap="square" lIns="121900" tIns="121900" rIns="121900" bIns="121900" rtlCol="0" anchor="t" anchorCtr="0">
+            <a:normAutofit fontScale="90000"/>
+          </a:bodyPr>
+          <a:lstStyle/>
+          <a:p>
+            <a:pPr>
+              <a:lnSpc>
+                <a:spcPct val="219230"/>
+              </a:lnSpc>
+              <a:spcBef>
+                <a:spcPts val="667"/>
+              </a:spcBef>
+              <a:buClr>
+                <a:schemeClr val="dk1"/>
+              </a:buClr>
+              <a:buSzPct val="50000"/>
+            </a:pPr>
+            <a:r>
+              <a:rPr lang="en" sz="2933" b="1" dirty="0">
+                <a:solidFill>
+                  <a:srgbClr val="333333"/>
+                </a:solidFill>
+              </a:rPr>
+              <a:t>Replace magic numbers with ALL_CAPS named constants</a:t>
+            </a:r>
+            <a:endParaRPr sz="2933" b="1" dirty="0">
+              <a:solidFill>
+                <a:srgbClr val="333333"/>
+              </a:solidFill>
+            </a:endParaRPr>
+          </a:p>
+          <a:p>
+            <a:pPr>
+              <a:lnSpc>
+                <a:spcPct val="115000"/>
+              </a:lnSpc>
+              <a:spcBef>
+                <a:spcPts val="1200"/>
+              </a:spcBef>
+              <a:buClr>
+                <a:schemeClr val="dk1"/>
+              </a:buClr>
+              <a:buSzPct val="100000"/>
+            </a:pPr>
+            <a:endParaRPr sz="1467" dirty="0"/>
+          </a:p>
+          <a:p>
+            <a:endParaRPr dirty="0"/>
+          </a:p>
+        </p:txBody>
+      </p:sp>
+      <p:sp>
+        <p:nvSpPr>
+          <p:cNvPr id="139" name="Google Shape;139;p27"/>
+          <p:cNvSpPr txBox="1">
+            <a:spLocks noGrp="1"/>
+          </p:cNvSpPr>
+          <p:nvPr>
+            <p:ph type="body" idx="1"/>
+          </p:nvPr>
+        </p:nvSpPr>
+        <p:spPr>
+          <a:xfrm>
+            <a:off x="415600" y="1469567"/>
+            <a:ext cx="11360800" cy="4622000"/>
+          </a:xfrm>
+          <a:prstGeom prst="rect">
+            <a:avLst/>
+          </a:prstGeom>
+        </p:spPr>
+        <p:txBody>
+          <a:bodyPr spcFirstLastPara="1" vert="horz" wrap="square" lIns="121900" tIns="121900" rIns="121900" bIns="121900" rtlCol="0" anchor="t" anchorCtr="0">
+            <a:normAutofit/>
+          </a:bodyPr>
+          <a:lstStyle/>
+          <a:p>
+            <a:pPr marL="0" indent="0">
+              <a:lnSpc>
+                <a:spcPct val="105000"/>
+              </a:lnSpc>
+              <a:buNone/>
+            </a:pPr>
+            <a:r>
+              <a:rPr lang="en" sz="3467" dirty="0">
+                <a:solidFill>
+                  <a:schemeClr val="dk1"/>
+                </a:solidFill>
+              </a:rPr>
+              <a:t>DAILY_FEE = 25</a:t>
+            </a:r>
+            <a:endParaRPr sz="3467" dirty="0">
+              <a:solidFill>
+                <a:schemeClr val="dk1"/>
+              </a:solidFill>
+            </a:endParaRPr>
+          </a:p>
+          <a:p>
+            <a:pPr marL="0" indent="0">
+              <a:lnSpc>
+                <a:spcPct val="105000"/>
+              </a:lnSpc>
+              <a:spcBef>
+                <a:spcPts val="1600"/>
+              </a:spcBef>
+              <a:buNone/>
+            </a:pPr>
+            <a:r>
+              <a:rPr lang="en" sz="3467" dirty="0">
+                <a:solidFill>
+                  <a:schemeClr val="dk1"/>
+                </a:solidFill>
+              </a:rPr>
+              <a:t>GRACE_PERIOD = 6</a:t>
+            </a:r>
+            <a:endParaRPr sz="3467" dirty="0">
+              <a:solidFill>
+                <a:schemeClr val="dk1"/>
+              </a:solidFill>
+            </a:endParaRPr>
+          </a:p>
+          <a:p>
+            <a:pPr marL="0" indent="0">
+              <a:lnSpc>
+                <a:spcPct val="105000"/>
+              </a:lnSpc>
+              <a:spcBef>
+                <a:spcPts val="1600"/>
+              </a:spcBef>
+              <a:buNone/>
+            </a:pPr>
+            <a:r>
+              <a:rPr lang="en" sz="3467" dirty="0">
+                <a:solidFill>
+                  <a:schemeClr val="dk1"/>
+                </a:solidFill>
+              </a:rPr>
+              <a:t>Fee = DAILY_FEE * (</a:t>
+            </a:r>
+            <a:r>
+              <a:rPr lang="en" sz="3467" dirty="0" err="1">
+                <a:solidFill>
+                  <a:schemeClr val="dk1"/>
+                </a:solidFill>
+              </a:rPr>
+              <a:t>days_overdue</a:t>
+            </a:r>
+            <a:r>
+              <a:rPr lang="en" sz="3467" dirty="0">
+                <a:solidFill>
+                  <a:schemeClr val="dk1"/>
+                </a:solidFill>
+              </a:rPr>
+              <a:t> - GRACE_PERIOD)</a:t>
+            </a:r>
+            <a:endParaRPr sz="3467" dirty="0">
+              <a:solidFill>
+                <a:schemeClr val="dk1"/>
+              </a:solidFill>
+            </a:endParaRPr>
+          </a:p>
+          <a:p>
+            <a:pPr marL="0" indent="0">
+              <a:lnSpc>
+                <a:spcPct val="105000"/>
+              </a:lnSpc>
+              <a:spcBef>
+                <a:spcPts val="1600"/>
+              </a:spcBef>
+              <a:buNone/>
+            </a:pPr>
+            <a:r>
+              <a:rPr lang="en" sz="3467" dirty="0">
+                <a:solidFill>
+                  <a:srgbClr val="FF0000"/>
+                </a:solidFill>
+              </a:rPr>
+              <a:t>NOT</a:t>
+            </a:r>
+            <a:endParaRPr sz="3467" dirty="0">
+              <a:solidFill>
+                <a:srgbClr val="FF0000"/>
+              </a:solidFill>
+            </a:endParaRPr>
+          </a:p>
+          <a:p>
+            <a:pPr marL="0" indent="0">
+              <a:lnSpc>
+                <a:spcPct val="105000"/>
+              </a:lnSpc>
+              <a:spcBef>
+                <a:spcPts val="1600"/>
+              </a:spcBef>
+              <a:spcAft>
+                <a:spcPts val="1600"/>
+              </a:spcAft>
+              <a:buNone/>
+            </a:pPr>
+            <a:r>
+              <a:rPr lang="en" sz="3467" dirty="0">
+                <a:solidFill>
+                  <a:schemeClr val="dk1"/>
+                </a:solidFill>
+              </a:rPr>
+              <a:t>Fee = 25 * (</a:t>
+            </a:r>
+            <a:r>
+              <a:rPr lang="en" sz="3467" dirty="0" err="1">
+                <a:solidFill>
+                  <a:schemeClr val="dk1"/>
+                </a:solidFill>
+              </a:rPr>
+              <a:t>days_overdue</a:t>
+            </a:r>
+            <a:r>
+              <a:rPr lang="en" sz="3467" dirty="0">
+                <a:solidFill>
+                  <a:schemeClr val="dk1"/>
+                </a:solidFill>
+              </a:rPr>
+              <a:t> - 6)</a:t>
+            </a:r>
+            <a:endParaRPr sz="3467" dirty="0">
+              <a:solidFill>
+                <a:schemeClr val="dk1"/>
+              </a:solidFill>
+            </a:endParaRPr>
+          </a:p>
+        </p:txBody>
+      </p:sp>
+    </p:spTree>
+  </p:cSld>
+  <p:clrMapOvr>
+    <a:masterClrMapping/>
+  </p:clrMapOvr>
+</p:sld>
+</file>
+
+<file path=ppt/slides/slide21.xml><?xml version="1.0" encoding="utf-8"?>
+<p:sld xmlns:a="http://schemas.openxmlformats.org/drawingml/2006/main" xmlns:r="http://schemas.openxmlformats.org/officeDocument/2006/relationships" xmlns:p="http://schemas.openxmlformats.org/presentationml/2006/main">
+  <p:cSld>
+    <p:spTree>
+      <p:nvGrpSpPr>
+        <p:cNvPr id="1" name="Shape 143"/>
+        <p:cNvGrpSpPr/>
+        <p:nvPr/>
+      </p:nvGrpSpPr>
+      <p:grpSpPr>
+        <a:xfrm>
+          <a:off x="0" y="0"/>
+          <a:ext cx="0" cy="0"/>
+          <a:chOff x="0" y="0"/>
+          <a:chExt cx="0" cy="0"/>
+        </a:xfrm>
+      </p:grpSpPr>
+      <p:sp>
+        <p:nvSpPr>
+          <p:cNvPr id="144" name="Google Shape;144;p28"/>
+          <p:cNvSpPr txBox="1">
+            <a:spLocks noGrp="1"/>
+          </p:cNvSpPr>
+          <p:nvPr>
+            <p:ph type="title"/>
+          </p:nvPr>
+        </p:nvSpPr>
+        <p:spPr>
+          <a:xfrm>
+            <a:off x="415600" y="593367"/>
+            <a:ext cx="11360800" cy="763600"/>
+          </a:xfrm>
+          <a:prstGeom prst="rect">
+            <a:avLst/>
+          </a:prstGeom>
+        </p:spPr>
+        <p:txBody>
+          <a:bodyPr spcFirstLastPara="1" vert="horz" wrap="square" lIns="121900" tIns="121900" rIns="121900" bIns="121900" rtlCol="0" anchor="t" anchorCtr="0">
+            <a:normAutofit fontScale="90000"/>
+          </a:bodyPr>
+          <a:lstStyle/>
+          <a:p>
+            <a:r>
+              <a:rPr lang="en" dirty="0"/>
+              <a:t>Follow the style conventions of your language</a:t>
+            </a:r>
+            <a:endParaRPr dirty="0"/>
+          </a:p>
+        </p:txBody>
+      </p:sp>
+      <p:sp>
+        <p:nvSpPr>
+          <p:cNvPr id="148" name="Google Shape;148;p28"/>
+          <p:cNvSpPr txBox="1"/>
+          <p:nvPr/>
+        </p:nvSpPr>
+        <p:spPr>
+          <a:xfrm>
+            <a:off x="415600" y="1767444"/>
+            <a:ext cx="5215179" cy="4678163"/>
+          </a:xfrm>
+          <a:prstGeom prst="rect">
+            <a:avLst/>
+          </a:prstGeom>
+          <a:noFill/>
+          <a:ln>
+            <a:noFill/>
+          </a:ln>
+        </p:spPr>
+        <p:txBody>
+          <a:bodyPr spcFirstLastPara="1" wrap="square" lIns="121900" tIns="121900" rIns="121900" bIns="121900" anchor="t" anchorCtr="0">
+            <a:spAutoFit/>
+          </a:bodyPr>
+          <a:lstStyle/>
+          <a:p>
+            <a:pPr marL="342900" indent="-342900">
+              <a:buFont typeface="Arial" panose="020B0604020202020204" pitchFamily="34" charset="0"/>
+              <a:buChar char="•"/>
+            </a:pPr>
+            <a:r>
+              <a:rPr lang="en" sz="2400" dirty="0"/>
+              <a:t>PEP8 is  a python style guide </a:t>
+            </a:r>
+            <a:r>
+              <a:rPr lang="en-US" sz="2400" dirty="0"/>
+              <a:t>that give you guidance on code formatting (</a:t>
+            </a:r>
+            <a:r>
+              <a:rPr lang="en-US" sz="2400" dirty="0">
+                <a:hlinkClick r:id="rId3"/>
+              </a:rPr>
+              <a:t>https://peps.python.org/pep-0008/</a:t>
+            </a:r>
+            <a:r>
+              <a:rPr lang="en-US" sz="2400" dirty="0"/>
+              <a:t>)</a:t>
+            </a:r>
+          </a:p>
+          <a:p>
+            <a:endParaRPr lang="en-US" sz="2400" dirty="0"/>
+          </a:p>
+          <a:p>
+            <a:pPr marL="342900" indent="-342900">
+              <a:buFont typeface="Arial" panose="020B0604020202020204" pitchFamily="34" charset="0"/>
+              <a:buChar char="•"/>
+            </a:pPr>
+            <a:r>
+              <a:rPr lang="en-US" sz="2400" dirty="0"/>
+              <a:t>Linters are tools that can automatically check if you are following the style guide</a:t>
+            </a:r>
+          </a:p>
+          <a:p>
+            <a:pPr marL="342900" indent="-342900">
+              <a:buFont typeface="Arial" panose="020B0604020202020204" pitchFamily="34" charset="0"/>
+              <a:buChar char="•"/>
+            </a:pPr>
+            <a:endParaRPr lang="en-US" sz="2400" dirty="0"/>
+          </a:p>
+          <a:p>
+            <a:pPr marL="342900" indent="-342900">
+              <a:buFont typeface="Arial" panose="020B0604020202020204" pitchFamily="34" charset="0"/>
+              <a:buChar char="•"/>
+            </a:pPr>
+            <a:r>
+              <a:rPr lang="en-US" sz="2400" dirty="0"/>
+              <a:t>Refer to this weeks assignment for instructions on how to turn on your linter</a:t>
+            </a:r>
+            <a:endParaRPr sz="2400" dirty="0"/>
+          </a:p>
+        </p:txBody>
+      </p:sp>
+      <p:pic>
+        <p:nvPicPr>
+          <p:cNvPr id="4" name="Picture 3">
+            <a:extLst>
+              <a:ext uri="{FF2B5EF4-FFF2-40B4-BE49-F238E27FC236}">
+                <a16:creationId xmlns:a16="http://schemas.microsoft.com/office/drawing/2014/main" id="{769BE705-1D93-8FD1-847D-AE321AA0AFAA}"/>
+              </a:ext>
+            </a:extLst>
+          </p:cNvPr>
+          <p:cNvPicPr>
+            <a:picLocks noChangeAspect="1"/>
+          </p:cNvPicPr>
+          <p:nvPr/>
+        </p:nvPicPr>
+        <p:blipFill>
+          <a:blip r:embed="rId4"/>
+          <a:stretch>
+            <a:fillRect/>
+          </a:stretch>
+        </p:blipFill>
+        <p:spPr>
+          <a:xfrm>
+            <a:off x="5954522" y="1765800"/>
+            <a:ext cx="5821878" cy="3779114"/>
+          </a:xfrm>
+          <a:prstGeom prst="rect">
+            <a:avLst/>
+          </a:prstGeom>
+        </p:spPr>
+      </p:pic>
+    </p:spTree>
   </p:cSld>
   <p:clrMapOvr>
     <a:masterClrMapping/>
@@ -3703,7 +7731,7 @@
             <a:pPr lvl="1"/>
             <a:r>
               <a:rPr lang="en-US" dirty="0"/>
-              <a:t>November 27: Dave</a:t>
+              <a:t>November 27: Dave, Tong</a:t>
             </a:r>
           </a:p>
           <a:p>
@@ -3716,7 +7744,7 @@
           <a:p>
             <a:r>
               <a:rPr lang="en-US" dirty="0"/>
-              <a:t>Jason, Robert, Tong, Claire and Lauren need assignments</a:t>
+              <a:t>Jason, Robert, Claire and Lauren need assignments</a:t>
             </a:r>
           </a:p>
         </p:txBody>
@@ -4111,7 +8139,7 @@
             </a:pPr>
             <a:r>
               <a:rPr lang="en-US" b="1" dirty="0"/>
-              <a:t>Claire </a:t>
+              <a:t>Robert </a:t>
             </a:r>
             <a:r>
               <a:rPr lang="en-US" dirty="0"/>
@@ -4141,7 +8169,7 @@
             </a:r>
             <a:r>
               <a:rPr lang="en-US" b="1" dirty="0"/>
-              <a:t>Jason</a:t>
+              <a:t>Jess</a:t>
             </a:r>
             <a:r>
               <a:rPr lang="en-US" dirty="0"/>
@@ -4155,7 +8183,7 @@
             </a:pPr>
             <a:r>
               <a:rPr lang="en-US" b="1" dirty="0"/>
-              <a:t>Jason</a:t>
+              <a:t>Jess</a:t>
             </a:r>
             <a:r>
               <a:rPr lang="en-US" dirty="0"/>
@@ -4163,12 +8191,9 @@
             </a:r>
             <a:r>
               <a:rPr lang="en-US" b="1" dirty="0"/>
-              <a:t>Jess</a:t>
-            </a:r>
-            <a:r>
-              <a:rPr lang="en-US" dirty="0"/>
-              <a:t> </a:t>
-            </a:r>
+              <a:t>Jessi</a:t>
+            </a:r>
+            <a:endParaRPr lang="en-US" dirty="0"/>
           </a:p>
           <a:p>
             <a:pPr marL="971550" lvl="1" indent="-514350">
@@ -4177,7 +8202,7 @@
             </a:pPr>
             <a:r>
               <a:rPr lang="en-US" b="1" dirty="0"/>
-              <a:t>Jess</a:t>
+              <a:t>Jessi</a:t>
             </a:r>
             <a:r>
               <a:rPr lang="en-US" dirty="0"/>
@@ -4185,9 +8210,12 @@
             </a:r>
             <a:r>
               <a:rPr lang="en-US" b="1" dirty="0"/>
-              <a:t>Jessi</a:t>
-            </a:r>
-            <a:endParaRPr lang="en-US" dirty="0"/>
+              <a:t>Lauren</a:t>
+            </a:r>
+            <a:r>
+              <a:rPr lang="en-US" dirty="0"/>
+              <a:t> </a:t>
+            </a:r>
           </a:p>
           <a:p>
             <a:pPr marL="971550" lvl="1" indent="-514350">
@@ -4196,7 +8224,7 @@
             </a:pPr>
             <a:r>
               <a:rPr lang="en-US" b="1" dirty="0"/>
-              <a:t>Jessi</a:t>
+              <a:t>Lauren</a:t>
             </a:r>
             <a:r>
               <a:rPr lang="en-US" dirty="0"/>
@@ -4204,12 +8232,9 @@
             </a:r>
             <a:r>
               <a:rPr lang="en-US" b="1" dirty="0"/>
-              <a:t>Lauren</a:t>
-            </a:r>
-            <a:r>
-              <a:rPr lang="en-US" dirty="0"/>
-              <a:t> </a:t>
-            </a:r>
+              <a:t>Nathan</a:t>
+            </a:r>
+            <a:endParaRPr lang="en-US" dirty="0"/>
           </a:p>
           <a:p>
             <a:pPr marL="971550" lvl="1" indent="-514350">
@@ -4218,7 +8243,7 @@
             </a:pPr>
             <a:r>
               <a:rPr lang="en-US" b="1" dirty="0"/>
-              <a:t>Lauren</a:t>
+              <a:t>Nathan</a:t>
             </a:r>
             <a:r>
               <a:rPr lang="en-US" dirty="0"/>
@@ -4226,7 +8251,7 @@
             </a:r>
             <a:r>
               <a:rPr lang="en-US" b="1" dirty="0"/>
-              <a:t>Nathan</a:t>
+              <a:t>Tong</a:t>
             </a:r>
             <a:endParaRPr lang="en-US" dirty="0"/>
           </a:p>
@@ -4237,7 +8262,7 @@
             </a:pPr>
             <a:r>
               <a:rPr lang="en-US" b="1" dirty="0"/>
-              <a:t>Nathan</a:t>
+              <a:t>Tong</a:t>
             </a:r>
             <a:r>
               <a:rPr lang="en-US" dirty="0"/>
@@ -4245,25 +8270,6 @@
             </a:r>
             <a:r>
               <a:rPr lang="en-US" b="1" dirty="0"/>
-              <a:t>Tong</a:t>
-            </a:r>
-            <a:endParaRPr lang="en-US" dirty="0"/>
-          </a:p>
-          <a:p>
-            <a:pPr marL="971550" lvl="1" indent="-514350">
-              <a:buFont typeface="+mj-lt"/>
-              <a:buAutoNum type="arabicPeriod"/>
-            </a:pPr>
-            <a:r>
-              <a:rPr lang="en-US" b="1" dirty="0"/>
-              <a:t>Tong</a:t>
-            </a:r>
-            <a:r>
-              <a:rPr lang="en-US" dirty="0"/>
-              <a:t> will submit for </a:t>
-            </a:r>
-            <a:r>
-              <a:rPr lang="en-US" b="1" dirty="0"/>
               <a:t>Robert</a:t>
             </a:r>
             <a:r>
@@ -4272,28 +8278,8 @@
             </a:r>
           </a:p>
           <a:p>
-            <a:pPr marL="971550" lvl="1" indent="-514350">
-              <a:buFont typeface="+mj-lt"/>
-              <a:buAutoNum type="arabicPeriod"/>
-            </a:pPr>
-            <a:r>
-              <a:rPr lang="en-US" b="1" dirty="0"/>
-              <a:t>Robert</a:t>
-            </a:r>
-            <a:r>
-              <a:rPr lang="en-US" dirty="0"/>
-              <a:t> will submit for </a:t>
-            </a:r>
-            <a:r>
-              <a:rPr lang="en-US" b="1" dirty="0"/>
-              <a:t>Claire</a:t>
-            </a:r>
-            <a:endParaRPr lang="en-US" dirty="0"/>
-          </a:p>
-          <a:p>
-            <a:pPr marL="971550" lvl="1" indent="-514350">
-              <a:buFont typeface="+mj-lt"/>
-              <a:buAutoNum type="arabicPeriod"/>
+            <a:pPr marL="457200" lvl="1" indent="0">
+              <a:buNone/>
             </a:pPr>
             <a:endParaRPr lang="en-US" dirty="0"/>
           </a:p>
@@ -4802,7 +8788,7 @@
           <p:cNvPr id="2" name="Title 1">
             <a:extLst>
               <a:ext uri="{FF2B5EF4-FFF2-40B4-BE49-F238E27FC236}">
-                <a16:creationId xmlns:a16="http://schemas.microsoft.com/office/drawing/2014/main" id="{25995A9E-2B90-A9DF-D315-2E8A38E3EDD4}"/>
+                <a16:creationId xmlns:a16="http://schemas.microsoft.com/office/drawing/2014/main" id="{43FE3341-51D3-27D5-4A79-35C24BB15E38}"/>
               </a:ext>
             </a:extLst>
           </p:cNvPr>
@@ -4813,19 +8799,14 @@
             <p:ph type="title"/>
           </p:nvPr>
         </p:nvSpPr>
-        <p:spPr>
-          <a:xfrm>
-            <a:off x="838200" y="89514"/>
-            <a:ext cx="10515600" cy="1325563"/>
-          </a:xfrm>
-        </p:spPr>
+        <p:spPr/>
         <p:txBody>
           <a:bodyPr/>
           <a:lstStyle/>
           <a:p>
             <a:r>
               <a:rPr lang="en-US" dirty="0"/>
-              <a:t>Forecast Competition Results this week: </a:t>
+              <a:t>Thursday Agenda</a:t>
             </a:r>
           </a:p>
         </p:txBody>
@@ -4835,7 +8816,7 @@
           <p:cNvPr id="3" name="Content Placeholder 2">
             <a:extLst>
               <a:ext uri="{FF2B5EF4-FFF2-40B4-BE49-F238E27FC236}">
-                <a16:creationId xmlns:a16="http://schemas.microsoft.com/office/drawing/2014/main" id="{3CEA629C-359D-1F30-9E2A-A9CBC39A23A2}"/>
+                <a16:creationId xmlns:a16="http://schemas.microsoft.com/office/drawing/2014/main" id="{F7EE56AF-1A9B-31CF-C94E-2117153D07F4}"/>
               </a:ext>
             </a:extLst>
           </p:cNvPr>
@@ -4846,46 +8827,46 @@
             <p:ph idx="1"/>
           </p:nvPr>
         </p:nvSpPr>
-        <p:spPr>
-          <a:xfrm>
-            <a:off x="838200" y="1135159"/>
-            <a:ext cx="10515600" cy="5442923"/>
-          </a:xfrm>
-        </p:spPr>
-        <p:txBody>
-          <a:bodyPr>
-            <a:normAutofit/>
-          </a:bodyPr>
-          <a:lstStyle/>
-          <a:p>
-            <a:r>
-              <a:rPr lang="en-US" dirty="0">
-                <a:highlight>
-                  <a:srgbClr val="FFFF00"/>
-                </a:highlight>
-              </a:rPr>
-              <a:t>Coming </a:t>
-            </a:r>
-            <a:r>
-              <a:rPr lang="en-US" dirty="0" err="1">
-                <a:highlight>
-                  <a:srgbClr val="FFFF00"/>
-                </a:highlight>
-              </a:rPr>
-              <a:t>thursday</a:t>
-            </a:r>
-            <a:endParaRPr lang="en-US" dirty="0">
-              <a:highlight>
-                <a:srgbClr val="FFFF00"/>
-              </a:highlight>
-            </a:endParaRPr>
+        <p:spPr/>
+        <p:txBody>
+          <a:bodyPr/>
+          <a:lstStyle/>
+          <a:p>
+            <a:r>
+              <a:rPr lang="en-US" dirty="0"/>
+              <a:t>Finish up our function exercises</a:t>
+            </a:r>
+          </a:p>
+          <a:p>
+            <a:r>
+              <a:rPr lang="en-US" dirty="0"/>
+              <a:t>Forecast Competition Results </a:t>
+            </a:r>
+          </a:p>
+          <a:p>
+            <a:r>
+              <a:rPr lang="en-US" dirty="0"/>
+              <a:t>Course Eval Discussion</a:t>
+            </a:r>
+          </a:p>
+          <a:p>
+            <a:r>
+              <a:rPr lang="en-US" dirty="0"/>
+              <a:t>Question on timeseries from the last homework</a:t>
+            </a:r>
+          </a:p>
+          <a:p>
+            <a:r>
+              <a:rPr lang="en-US" dirty="0"/>
+              <a:t>Naming conventions and Formatting</a:t>
+            </a:r>
           </a:p>
         </p:txBody>
       </p:sp>
     </p:spTree>
     <p:extLst>
       <p:ext uri="{BB962C8B-B14F-4D97-AF65-F5344CB8AC3E}">
-        <p14:creationId xmlns:p14="http://schemas.microsoft.com/office/powerpoint/2010/main" val="199393613"/>
+        <p14:creationId xmlns:p14="http://schemas.microsoft.com/office/powerpoint/2010/main" val="763166715"/>
       </p:ext>
     </p:extLst>
   </p:cSld>
@@ -4912,6 +8893,36 @@
           <a:chExt cx="0" cy="0"/>
         </a:xfrm>
       </p:grpSpPr>
+      <p:pic>
+        <p:nvPicPr>
+          <p:cNvPr id="8" name="Picture 7" descr="A graph with a number of students and a number of students&#10;&#10;Description automatically generated with medium confidence">
+            <a:extLst>
+              <a:ext uri="{FF2B5EF4-FFF2-40B4-BE49-F238E27FC236}">
+                <a16:creationId xmlns:a16="http://schemas.microsoft.com/office/drawing/2014/main" id="{52BDC36C-1ECF-42D6-0461-5129577C7629}"/>
+              </a:ext>
+            </a:extLst>
+          </p:cNvPr>
+          <p:cNvPicPr>
+            <a:picLocks noChangeAspect="1"/>
+          </p:cNvPicPr>
+          <p:nvPr/>
+        </p:nvPicPr>
+        <p:blipFill>
+          <a:blip r:embed="rId2"/>
+          <a:stretch>
+            <a:fillRect/>
+          </a:stretch>
+        </p:blipFill>
+        <p:spPr>
+          <a:xfrm>
+            <a:off x="402996" y="1151798"/>
+            <a:ext cx="11386008" cy="4554403"/>
+          </a:xfrm>
+          <a:prstGeom prst="rect">
+            <a:avLst/>
+          </a:prstGeom>
+        </p:spPr>
+      </p:pic>
       <p:sp>
         <p:nvSpPr>
           <p:cNvPr id="2" name="Title 1">
@@ -4940,65 +8951,156 @@
           <a:p>
             <a:r>
               <a:rPr lang="en-US" dirty="0"/>
-              <a:t>Midsemester Eval Results: </a:t>
-            </a:r>
-          </a:p>
-        </p:txBody>
-      </p:sp>
-      <p:sp>
-        <p:nvSpPr>
-          <p:cNvPr id="3" name="Content Placeholder 2">
+              <a:t>Forecast Competition Results this week: </a:t>
+            </a:r>
+          </a:p>
+        </p:txBody>
+      </p:sp>
+      <p:pic>
+        <p:nvPicPr>
+          <p:cNvPr id="6" name="Picture 5">
             <a:extLst>
               <a:ext uri="{FF2B5EF4-FFF2-40B4-BE49-F238E27FC236}">
-                <a16:creationId xmlns:a16="http://schemas.microsoft.com/office/drawing/2014/main" id="{3CEA629C-359D-1F30-9E2A-A9CBC39A23A2}"/>
+                <a16:creationId xmlns:a16="http://schemas.microsoft.com/office/drawing/2014/main" id="{B64E6F27-D653-B356-48C2-8B5D991D9AF9}"/>
               </a:ext>
             </a:extLst>
           </p:cNvPr>
-          <p:cNvSpPr>
-            <a:spLocks noGrp="1"/>
-          </p:cNvSpPr>
-          <p:nvPr>
-            <p:ph idx="1"/>
-          </p:nvPr>
-        </p:nvSpPr>
+          <p:cNvPicPr>
+            <a:picLocks noChangeAspect="1"/>
+          </p:cNvPicPr>
+          <p:nvPr/>
+        </p:nvPicPr>
+        <p:blipFill>
+          <a:blip r:embed="rId3"/>
+          <a:stretch>
+            <a:fillRect/>
+          </a:stretch>
+        </p:blipFill>
         <p:spPr>
           <a:xfrm>
-            <a:off x="838200" y="1135159"/>
-            <a:ext cx="10515600" cy="5442923"/>
+            <a:off x="3832046" y="1687903"/>
+            <a:ext cx="2540000" cy="2895600"/>
           </a:xfrm>
+          <a:prstGeom prst="rect">
+            <a:avLst/>
+          </a:prstGeom>
         </p:spPr>
-        <p:txBody>
-          <a:bodyPr>
-            <a:normAutofit/>
-          </a:bodyPr>
-          <a:lstStyle/>
-          <a:p>
-            <a:r>
-              <a:rPr lang="en-US">
-                <a:highlight>
-                  <a:srgbClr val="FFFF00"/>
-                </a:highlight>
-              </a:rPr>
-              <a:t>Coming Thursday</a:t>
-            </a:r>
-            <a:endParaRPr lang="en-US" dirty="0">
-              <a:highlight>
-                <a:srgbClr val="FFFF00"/>
-              </a:highlight>
-            </a:endParaRPr>
-          </a:p>
-        </p:txBody>
-      </p:sp>
+      </p:pic>
+      <p:pic>
+        <p:nvPicPr>
+          <p:cNvPr id="9" name="Picture 8">
+            <a:extLst>
+              <a:ext uri="{FF2B5EF4-FFF2-40B4-BE49-F238E27FC236}">
+                <a16:creationId xmlns:a16="http://schemas.microsoft.com/office/drawing/2014/main" id="{9CB906F0-EBFD-0437-BE41-8BFE69144FFC}"/>
+              </a:ext>
+            </a:extLst>
+          </p:cNvPr>
+          <p:cNvPicPr>
+            <a:picLocks noChangeAspect="1"/>
+          </p:cNvPicPr>
+          <p:nvPr/>
+        </p:nvPicPr>
+        <p:blipFill>
+          <a:blip r:embed="rId4"/>
+          <a:stretch>
+            <a:fillRect/>
+          </a:stretch>
+        </p:blipFill>
+        <p:spPr>
+          <a:xfrm>
+            <a:off x="9030519" y="3858884"/>
+            <a:ext cx="3161481" cy="3079630"/>
+          </a:xfrm>
+          <a:prstGeom prst="rect">
+            <a:avLst/>
+          </a:prstGeom>
+        </p:spPr>
+      </p:pic>
     </p:spTree>
     <p:extLst>
       <p:ext uri="{BB962C8B-B14F-4D97-AF65-F5344CB8AC3E}">
-        <p14:creationId xmlns:p14="http://schemas.microsoft.com/office/powerpoint/2010/main" val="3848072951"/>
+        <p14:creationId xmlns:p14="http://schemas.microsoft.com/office/powerpoint/2010/main" val="199393613"/>
       </p:ext>
     </p:extLst>
   </p:cSld>
   <p:clrMapOvr>
     <a:masterClrMapping/>
   </p:clrMapOvr>
+  <p:timing>
+    <p:tnLst>
+      <p:par>
+        <p:cTn id="1" dur="indefinite" restart="never" nodeType="tmRoot">
+          <p:childTnLst>
+            <p:seq concurrent="1" nextAc="seek">
+              <p:cTn id="2" dur="indefinite" nodeType="mainSeq">
+                <p:childTnLst>
+                  <p:par>
+                    <p:cTn id="3" fill="hold">
+                      <p:stCondLst>
+                        <p:cond delay="indefinite"/>
+                      </p:stCondLst>
+                      <p:childTnLst>
+                        <p:par>
+                          <p:cTn id="4" fill="hold">
+                            <p:stCondLst>
+                              <p:cond delay="0"/>
+                            </p:stCondLst>
+                            <p:childTnLst>
+                              <p:par>
+                                <p:cTn id="5" presetID="1" presetClass="entr" presetSubtype="0" fill="hold" nodeType="clickEffect">
+                                  <p:stCondLst>
+                                    <p:cond delay="0"/>
+                                  </p:stCondLst>
+                                  <p:childTnLst>
+                                    <p:set>
+                                      <p:cBhvr>
+                                        <p:cTn id="6" dur="1" fill="hold">
+                                          <p:stCondLst>
+                                            <p:cond delay="0"/>
+                                          </p:stCondLst>
+                                        </p:cTn>
+                                        <p:tgtEl>
+                                          <p:spTgt spid="6"/>
+                                        </p:tgtEl>
+                                        <p:attrNameLst>
+                                          <p:attrName>style.visibility</p:attrName>
+                                        </p:attrNameLst>
+                                      </p:cBhvr>
+                                      <p:to>
+                                        <p:strVal val="visible"/>
+                                      </p:to>
+                                    </p:set>
+                                  </p:childTnLst>
+                                </p:cTn>
+                              </p:par>
+                            </p:childTnLst>
+                          </p:cTn>
+                        </p:par>
+                      </p:childTnLst>
+                    </p:cTn>
+                  </p:par>
+                </p:childTnLst>
+              </p:cTn>
+              <p:prevCondLst>
+                <p:cond evt="onPrev" delay="0">
+                  <p:tgtEl>
+                    <p:sldTgt/>
+                  </p:tgtEl>
+                </p:cond>
+              </p:prevCondLst>
+              <p:nextCondLst>
+                <p:cond evt="onNext" delay="0">
+                  <p:tgtEl>
+                    <p:sldTgt/>
+                  </p:tgtEl>
+                </p:cond>
+              </p:nextCondLst>
+            </p:seq>
+          </p:childTnLst>
+        </p:cTn>
+      </p:par>
+    </p:tnLst>
+  </p:timing>
 </p:sld>
 </file>
 
@@ -5295,4 +9397,299 @@
     </a:ext>
   </a:extLst>
 </a:theme>
+</file>
+
+<file path=ppt/theme/theme2.xml><?xml version="1.0" encoding="utf-8"?>
+<a:theme xmlns:a="http://schemas.openxmlformats.org/drawingml/2006/main" name="Office Theme">
+  <a:themeElements>
+    <a:clrScheme name="Office">
+      <a:dk1>
+        <a:sysClr val="windowText" lastClr="000000"/>
+      </a:dk1>
+      <a:lt1>
+        <a:sysClr val="window" lastClr="FFFFFF"/>
+      </a:lt1>
+      <a:dk2>
+        <a:srgbClr val="44546A"/>
+      </a:dk2>
+      <a:lt2>
+        <a:srgbClr val="E7E6E6"/>
+      </a:lt2>
+      <a:accent1>
+        <a:srgbClr val="4472C4"/>
+      </a:accent1>
+      <a:accent2>
+        <a:srgbClr val="ED7D31"/>
+      </a:accent2>
+      <a:accent3>
+        <a:srgbClr val="A5A5A5"/>
+      </a:accent3>
+      <a:accent4>
+        <a:srgbClr val="FFC000"/>
+      </a:accent4>
+      <a:accent5>
+        <a:srgbClr val="5B9BD5"/>
+      </a:accent5>
+      <a:accent6>
+        <a:srgbClr val="70AD47"/>
+      </a:accent6>
+      <a:hlink>
+        <a:srgbClr val="0563C1"/>
+      </a:hlink>
+      <a:folHlink>
+        <a:srgbClr val="954F72"/>
+      </a:folHlink>
+    </a:clrScheme>
+    <a:fontScheme name="Office">
+      <a:majorFont>
+        <a:latin typeface="Calibri Light" panose="020F0302020204030204"/>
+        <a:ea typeface=""/>
+        <a:cs typeface=""/>
+        <a:font script="Jpan" typeface="游ゴシック Light"/>
+        <a:font script="Hang" typeface="맑은 고딕"/>
+        <a:font script="Hans" typeface="等线 Light"/>
+        <a:font script="Hant" typeface="新細明體"/>
+        <a:font script="Arab" typeface="Times New Roman"/>
+        <a:font script="Hebr" typeface="Times New Roman"/>
+        <a:font script="Thai" typeface="Angsana New"/>
+        <a:font script="Ethi" typeface="Nyala"/>
+        <a:font script="Beng" typeface="Vrinda"/>
+        <a:font script="Gujr" typeface="Shruti"/>
+        <a:font script="Khmr" typeface="MoolBoran"/>
+        <a:font script="Knda" typeface="Tunga"/>
+        <a:font script="Guru" typeface="Raavi"/>
+        <a:font script="Cans" typeface="Euphemia"/>
+        <a:font script="Cher" typeface="Plantagenet Cherokee"/>
+        <a:font script="Yiii" typeface="Microsoft Yi Baiti"/>
+        <a:font script="Tibt" typeface="Microsoft Himalaya"/>
+        <a:font script="Thaa" typeface="MV Boli"/>
+        <a:font script="Deva" typeface="Mangal"/>
+        <a:font script="Telu" typeface="Gautami"/>
+        <a:font script="Taml" typeface="Latha"/>
+        <a:font script="Syrc" typeface="Estrangelo Edessa"/>
+        <a:font script="Orya" typeface="Kalinga"/>
+        <a:font script="Mlym" typeface="Kartika"/>
+        <a:font script="Laoo" typeface="DokChampa"/>
+        <a:font script="Sinh" typeface="Iskoola Pota"/>
+        <a:font script="Mong" typeface="Mongolian Baiti"/>
+        <a:font script="Viet" typeface="Times New Roman"/>
+        <a:font script="Uigh" typeface="Microsoft Uighur"/>
+        <a:font script="Geor" typeface="Sylfaen"/>
+        <a:font script="Armn" typeface="Arial"/>
+        <a:font script="Bugi" typeface="Leelawadee UI"/>
+        <a:font script="Bopo" typeface="Microsoft JhengHei"/>
+        <a:font script="Java" typeface="Javanese Text"/>
+        <a:font script="Lisu" typeface="Segoe UI"/>
+        <a:font script="Mymr" typeface="Myanmar Text"/>
+        <a:font script="Nkoo" typeface="Ebrima"/>
+        <a:font script="Olck" typeface="Nirmala UI"/>
+        <a:font script="Osma" typeface="Ebrima"/>
+        <a:font script="Phag" typeface="Phagspa"/>
+        <a:font script="Syrn" typeface="Estrangelo Edessa"/>
+        <a:font script="Syrj" typeface="Estrangelo Edessa"/>
+        <a:font script="Syre" typeface="Estrangelo Edessa"/>
+        <a:font script="Sora" typeface="Nirmala UI"/>
+        <a:font script="Tale" typeface="Microsoft Tai Le"/>
+        <a:font script="Talu" typeface="Microsoft New Tai Lue"/>
+        <a:font script="Tfng" typeface="Ebrima"/>
+      </a:majorFont>
+      <a:minorFont>
+        <a:latin typeface="Calibri" panose="020F0502020204030204"/>
+        <a:ea typeface=""/>
+        <a:cs typeface=""/>
+        <a:font script="Jpan" typeface="游ゴシック"/>
+        <a:font script="Hang" typeface="맑은 고딕"/>
+        <a:font script="Hans" typeface="等线"/>
+        <a:font script="Hant" typeface="新細明體"/>
+        <a:font script="Arab" typeface="Arial"/>
+        <a:font script="Hebr" typeface="Arial"/>
+        <a:font script="Thai" typeface="Cordia New"/>
+        <a:font script="Ethi" typeface="Nyala"/>
+        <a:font script="Beng" typeface="Vrinda"/>
+        <a:font script="Gujr" typeface="Shruti"/>
+        <a:font script="Khmr" typeface="DaunPenh"/>
+        <a:font script="Knda" typeface="Tunga"/>
+        <a:font script="Guru" typeface="Raavi"/>
+        <a:font script="Cans" typeface="Euphemia"/>
+        <a:font script="Cher" typeface="Plantagenet Cherokee"/>
+        <a:font script="Yiii" typeface="Microsoft Yi Baiti"/>
+        <a:font script="Tibt" typeface="Microsoft Himalaya"/>
+        <a:font script="Thaa" typeface="MV Boli"/>
+        <a:font script="Deva" typeface="Mangal"/>
+        <a:font script="Telu" typeface="Gautami"/>
+        <a:font script="Taml" typeface="Latha"/>
+        <a:font script="Syrc" typeface="Estrangelo Edessa"/>
+        <a:font script="Orya" typeface="Kalinga"/>
+        <a:font script="Mlym" typeface="Kartika"/>
+        <a:font script="Laoo" typeface="DokChampa"/>
+        <a:font script="Sinh" typeface="Iskoola Pota"/>
+        <a:font script="Mong" typeface="Mongolian Baiti"/>
+        <a:font script="Viet" typeface="Arial"/>
+        <a:font script="Uigh" typeface="Microsoft Uighur"/>
+        <a:font script="Geor" typeface="Sylfaen"/>
+        <a:font script="Armn" typeface="Arial"/>
+        <a:font script="Bugi" typeface="Leelawadee UI"/>
+        <a:font script="Bopo" typeface="Microsoft JhengHei"/>
+        <a:font script="Java" typeface="Javanese Text"/>
+        <a:font script="Lisu" typeface="Segoe UI"/>
+        <a:font script="Mymr" typeface="Myanmar Text"/>
+        <a:font script="Nkoo" typeface="Ebrima"/>
+        <a:font script="Olck" typeface="Nirmala UI"/>
+        <a:font script="Osma" typeface="Ebrima"/>
+        <a:font script="Phag" typeface="Phagspa"/>
+        <a:font script="Syrn" typeface="Estrangelo Edessa"/>
+        <a:font script="Syrj" typeface="Estrangelo Edessa"/>
+        <a:font script="Syre" typeface="Estrangelo Edessa"/>
+        <a:font script="Sora" typeface="Nirmala UI"/>
+        <a:font script="Tale" typeface="Microsoft Tai Le"/>
+        <a:font script="Talu" typeface="Microsoft New Tai Lue"/>
+        <a:font script="Tfng" typeface="Ebrima"/>
+      </a:minorFont>
+    </a:fontScheme>
+    <a:fmtScheme name="Office">
+      <a:fillStyleLst>
+        <a:solidFill>
+          <a:schemeClr val="phClr"/>
+        </a:solidFill>
+        <a:gradFill rotWithShape="1">
+          <a:gsLst>
+            <a:gs pos="0">
+              <a:schemeClr val="phClr">
+                <a:lumMod val="110000"/>
+                <a:satMod val="105000"/>
+                <a:tint val="67000"/>
+              </a:schemeClr>
+            </a:gs>
+            <a:gs pos="50000">
+              <a:schemeClr val="phClr">
+                <a:lumMod val="105000"/>
+                <a:satMod val="103000"/>
+                <a:tint val="73000"/>
+              </a:schemeClr>
+            </a:gs>
+            <a:gs pos="100000">
+              <a:schemeClr val="phClr">
+                <a:lumMod val="105000"/>
+                <a:satMod val="109000"/>
+                <a:tint val="81000"/>
+              </a:schemeClr>
+            </a:gs>
+          </a:gsLst>
+          <a:lin ang="5400000" scaled="0"/>
+        </a:gradFill>
+        <a:gradFill rotWithShape="1">
+          <a:gsLst>
+            <a:gs pos="0">
+              <a:schemeClr val="phClr">
+                <a:satMod val="103000"/>
+                <a:lumMod val="102000"/>
+                <a:tint val="94000"/>
+              </a:schemeClr>
+            </a:gs>
+            <a:gs pos="50000">
+              <a:schemeClr val="phClr">
+                <a:satMod val="110000"/>
+                <a:lumMod val="100000"/>
+                <a:shade val="100000"/>
+              </a:schemeClr>
+            </a:gs>
+            <a:gs pos="100000">
+              <a:schemeClr val="phClr">
+                <a:lumMod val="99000"/>
+                <a:satMod val="120000"/>
+                <a:shade val="78000"/>
+              </a:schemeClr>
+            </a:gs>
+          </a:gsLst>
+          <a:lin ang="5400000" scaled="0"/>
+        </a:gradFill>
+      </a:fillStyleLst>
+      <a:lnStyleLst>
+        <a:ln w="6350" cap="flat" cmpd="sng" algn="ctr">
+          <a:solidFill>
+            <a:schemeClr val="phClr"/>
+          </a:solidFill>
+          <a:prstDash val="solid"/>
+          <a:miter lim="800000"/>
+        </a:ln>
+        <a:ln w="12700" cap="flat" cmpd="sng" algn="ctr">
+          <a:solidFill>
+            <a:schemeClr val="phClr"/>
+          </a:solidFill>
+          <a:prstDash val="solid"/>
+          <a:miter lim="800000"/>
+        </a:ln>
+        <a:ln w="19050" cap="flat" cmpd="sng" algn="ctr">
+          <a:solidFill>
+            <a:schemeClr val="phClr"/>
+          </a:solidFill>
+          <a:prstDash val="solid"/>
+          <a:miter lim="800000"/>
+        </a:ln>
+      </a:lnStyleLst>
+      <a:effectStyleLst>
+        <a:effectStyle>
+          <a:effectLst/>
+        </a:effectStyle>
+        <a:effectStyle>
+          <a:effectLst/>
+        </a:effectStyle>
+        <a:effectStyle>
+          <a:effectLst>
+            <a:outerShdw blurRad="57150" dist="19050" dir="5400000" algn="ctr" rotWithShape="0">
+              <a:srgbClr val="000000">
+                <a:alpha val="63000"/>
+              </a:srgbClr>
+            </a:outerShdw>
+          </a:effectLst>
+        </a:effectStyle>
+      </a:effectStyleLst>
+      <a:bgFillStyleLst>
+        <a:solidFill>
+          <a:schemeClr val="phClr"/>
+        </a:solidFill>
+        <a:solidFill>
+          <a:schemeClr val="phClr">
+            <a:tint val="95000"/>
+            <a:satMod val="170000"/>
+          </a:schemeClr>
+        </a:solidFill>
+        <a:gradFill rotWithShape="1">
+          <a:gsLst>
+            <a:gs pos="0">
+              <a:schemeClr val="phClr">
+                <a:tint val="93000"/>
+                <a:satMod val="150000"/>
+                <a:shade val="98000"/>
+                <a:lumMod val="102000"/>
+              </a:schemeClr>
+            </a:gs>
+            <a:gs pos="50000">
+              <a:schemeClr val="phClr">
+                <a:tint val="98000"/>
+                <a:satMod val="130000"/>
+                <a:shade val="90000"/>
+                <a:lumMod val="103000"/>
+              </a:schemeClr>
+            </a:gs>
+            <a:gs pos="100000">
+              <a:schemeClr val="phClr">
+                <a:shade val="63000"/>
+                <a:satMod val="120000"/>
+              </a:schemeClr>
+            </a:gs>
+          </a:gsLst>
+          <a:lin ang="5400000" scaled="0"/>
+        </a:gradFill>
+      </a:bgFillStyleLst>
+    </a:fmtScheme>
+  </a:themeElements>
+  <a:objectDefaults/>
+  <a:extraClrSchemeLst/>
+  <a:extLst>
+    <a:ext uri="{05A4C25C-085E-4340-85A3-A5531E510DB2}">
+      <thm15:themeFamily xmlns:thm15="http://schemas.microsoft.com/office/thememl/2012/main" name="Office Theme" id="{62F939B6-93AF-4DB8-9C6B-D6C7DFDC589F}" vid="{4A3C46E8-61CC-4603-A589-7422A47A8E4A}"/>
+    </a:ext>
+  </a:extLst>
+</a:theme>
 </file>